--- a/doc/SoutenanceSAR.pptx
+++ b/doc/SoutenanceSAR.pptx
@@ -5,10 +5,10 @@
     <p:sldMasterId id="2147483648" r:id="rId2"/>
   </p:sldMasterIdLst>
   <p:notesMasterIdLst>
-    <p:notesMasterId r:id="rId27"/>
+    <p:notesMasterId r:id="rId28"/>
   </p:notesMasterIdLst>
   <p:handoutMasterIdLst>
-    <p:handoutMasterId r:id="rId28"/>
+    <p:handoutMasterId r:id="rId29"/>
   </p:handoutMasterIdLst>
   <p:sldIdLst>
     <p:sldId id="256" r:id="rId3"/>
@@ -26,15 +26,16 @@
     <p:sldId id="266" r:id="rId15"/>
     <p:sldId id="268" r:id="rId16"/>
     <p:sldId id="269" r:id="rId17"/>
-    <p:sldId id="270" r:id="rId18"/>
-    <p:sldId id="271" r:id="rId19"/>
-    <p:sldId id="272" r:id="rId20"/>
-    <p:sldId id="273" r:id="rId21"/>
-    <p:sldId id="274" r:id="rId22"/>
-    <p:sldId id="275" r:id="rId23"/>
-    <p:sldId id="276" r:id="rId24"/>
-    <p:sldId id="277" r:id="rId25"/>
-    <p:sldId id="267" r:id="rId26"/>
+    <p:sldId id="282" r:id="rId18"/>
+    <p:sldId id="270" r:id="rId19"/>
+    <p:sldId id="271" r:id="rId20"/>
+    <p:sldId id="272" r:id="rId21"/>
+    <p:sldId id="273" r:id="rId22"/>
+    <p:sldId id="274" r:id="rId23"/>
+    <p:sldId id="275" r:id="rId24"/>
+    <p:sldId id="276" r:id="rId25"/>
+    <p:sldId id="277" r:id="rId26"/>
+    <p:sldId id="267" r:id="rId27"/>
   </p:sldIdLst>
   <p:sldSz cx="9144000" cy="5143500" type="screen16x9"/>
   <p:notesSz cx="6858000" cy="9144000"/>
@@ -157,6 +158,7 @@
             <p14:sldId id="266"/>
             <p14:sldId id="268"/>
             <p14:sldId id="269"/>
+            <p14:sldId id="282"/>
             <p14:sldId id="270"/>
             <p14:sldId id="271"/>
             <p14:sldId id="272"/>
@@ -269,7 +271,7 @@
           </a:lstStyle>
           <a:p>
             <a:fld id="{4B230A23-3E98-F64D-859B-DE462771A158}" type="datetimeFigureOut">
-              <a:t>09/03/2019</a:t>
+              <a:t>10/03/2019</a:t>
             </a:fld>
             <a:endParaRPr lang="fr-FR"/>
           </a:p>
@@ -433,7 +435,7 @@
           <a:p>
             <a:fld id="{DF859C20-09F8-4B34-AD60-B86CCC0D4919}" type="datetimeFigureOut">
               <a:rPr lang="fr-FR" smtClean="0"/>
-              <a:t>09/03/2019</a:t>
+              <a:t>10/03/2019</a:t>
             </a:fld>
             <a:endParaRPr lang="fr-FR"/>
           </a:p>
@@ -931,7 +933,7 @@
           <a:p>
             <a:fld id="{DB814944-9A0C-4A4F-8224-633B216C064B}" type="datetime1">
               <a:rPr lang="fr-FR" smtClean="0"/>
-              <a:t>09/03/2019</a:t>
+              <a:t>10/03/2019</a:t>
             </a:fld>
             <a:endParaRPr lang="fr-FR"/>
           </a:p>
@@ -1210,7 +1212,7 @@
           <a:p>
             <a:fld id="{06855381-3E5D-42CE-94CE-985369FA4EF2}" type="datetime1">
               <a:rPr lang="fr-FR" smtClean="0"/>
-              <a:t>09/03/2019</a:t>
+              <a:t>10/03/2019</a:t>
             </a:fld>
             <a:endParaRPr lang="fr-FR"/>
           </a:p>
@@ -1489,7 +1491,7 @@
           <a:p>
             <a:fld id="{86235C7F-35C9-44B7-B2D6-B8D23B631F77}" type="datetime1">
               <a:rPr lang="fr-FR" smtClean="0"/>
-              <a:t>09/03/2019</a:t>
+              <a:t>10/03/2019</a:t>
             </a:fld>
             <a:endParaRPr lang="fr-FR"/>
           </a:p>
@@ -1725,7 +1727,7 @@
           <a:p>
             <a:fld id="{CB40F084-078F-4659-8C9D-D4DB80EBD4D1}" type="datetime1">
               <a:rPr lang="fr-FR" smtClean="0"/>
-              <a:t>09/03/2019</a:t>
+              <a:t>10/03/2019</a:t>
             </a:fld>
             <a:endParaRPr lang="fr-FR"/>
           </a:p>
@@ -2106,7 +2108,7 @@
           <a:p>
             <a:fld id="{2451BDCA-02C3-4BD0-9CDB-A5355F1BBF72}" type="datetime1">
               <a:rPr lang="fr-FR" smtClean="0"/>
-              <a:t>09/03/2019</a:t>
+              <a:t>10/03/2019</a:t>
             </a:fld>
             <a:endParaRPr lang="fr-FR"/>
           </a:p>
@@ -2456,7 +2458,7 @@
           <a:p>
             <a:fld id="{40B8E571-E107-4FFF-AEA4-CECF12B5DEA2}" type="datetime1">
               <a:rPr lang="fr-FR" smtClean="0"/>
-              <a:t>09/03/2019</a:t>
+              <a:t>10/03/2019</a:t>
             </a:fld>
             <a:endParaRPr lang="fr-FR"/>
           </a:p>
@@ -2981,7 +2983,7 @@
           <a:p>
             <a:fld id="{3B1D16FB-6161-4AA6-879F-76BBDDEFE2E1}" type="datetime1">
               <a:rPr lang="fr-FR" smtClean="0"/>
-              <a:t>09/03/2019</a:t>
+              <a:t>10/03/2019</a:t>
             </a:fld>
             <a:endParaRPr lang="fr-FR"/>
           </a:p>
@@ -3264,7 +3266,7 @@
           <a:p>
             <a:fld id="{F48EF8C9-7B63-4403-86B0-D4EAC57A3D4E}" type="datetime1">
               <a:rPr lang="fr-FR" smtClean="0"/>
-              <a:t>09/03/2019</a:t>
+              <a:t>10/03/2019</a:t>
             </a:fld>
             <a:endParaRPr lang="fr-FR"/>
           </a:p>
@@ -3511,7 +3513,7 @@
           <a:p>
             <a:fld id="{CA826926-3651-4C48-BAB2-048AA737F3D7}" type="datetime1">
               <a:rPr lang="fr-FR" smtClean="0"/>
-              <a:t>09/03/2019</a:t>
+              <a:t>10/03/2019</a:t>
             </a:fld>
             <a:endParaRPr lang="fr-FR"/>
           </a:p>
@@ -3699,7 +3701,7 @@
           <a:p>
             <a:fld id="{D214A66C-ED25-464B-ADBE-6274FAE27BD1}" type="datetime1">
               <a:rPr lang="fr-FR" smtClean="0"/>
-              <a:t>09/03/2019</a:t>
+              <a:t>10/03/2019</a:t>
             </a:fld>
             <a:endParaRPr lang="fr-FR"/>
           </a:p>
@@ -4053,7 +4055,7 @@
           <a:p>
             <a:fld id="{D6E0A056-D9BB-4F61-9C33-10DAF840E696}" type="datetime1">
               <a:rPr lang="fr-FR" smtClean="0"/>
-              <a:t>09/03/2019</a:t>
+              <a:t>10/03/2019</a:t>
             </a:fld>
             <a:endParaRPr lang="fr-FR"/>
           </a:p>
@@ -4471,30 +4473,6 @@
           </a:p>
         </p:txBody>
       </p:sp>
-      <p:sp>
-        <p:nvSpPr>
-          <p:cNvPr id="3" name="Sous-titre 2"/>
-          <p:cNvSpPr>
-            <a:spLocks noGrp="1"/>
-          </p:cNvSpPr>
-          <p:nvPr>
-            <p:ph type="subTitle" idx="1"/>
-          </p:nvPr>
-        </p:nvSpPr>
-        <p:spPr>
-          <a:xfrm>
-            <a:off x="1896249" y="2013718"/>
-            <a:ext cx="5181600" cy="338554"/>
-          </a:xfrm>
-        </p:spPr>
-        <p:txBody>
-          <a:bodyPr/>
-          <a:lstStyle/>
-          <a:p>
-            <a:endParaRPr lang="fr-FR" dirty="0"/>
-          </a:p>
-        </p:txBody>
-      </p:sp>
       <p:pic>
         <p:nvPicPr>
           <p:cNvPr id="5" name="Image 4"/>
@@ -4908,6 +4886,16 @@
           <a:bodyPr/>
           <a:lstStyle/>
           <a:p>
+            <a:r>
+              <a:rPr lang="fr-FR" dirty="0" smtClean="0"/>
+              <a:t>Edition des relations</a:t>
+            </a:r>
+          </a:p>
+          <a:p>
+            <a:r>
+              <a:rPr lang="fr-FR" dirty="0" smtClean="0"/>
+              <a:t>Sauvegarde dans le localstorage</a:t>
+            </a:r>
             <a:endParaRPr lang="fr-FR" dirty="0"/>
           </a:p>
         </p:txBody>
@@ -4973,6 +4961,36 @@
           </a:p>
         </p:txBody>
       </p:sp>
+      <p:pic>
+        <p:nvPicPr>
+          <p:cNvPr id="9" name="Image 8"/>
+          <p:cNvPicPr>
+            <a:picLocks noChangeAspect="1"/>
+          </p:cNvPicPr>
+          <p:nvPr/>
+        </p:nvPicPr>
+        <p:blipFill>
+          <a:blip r:embed="rId2">
+            <a:extLst>
+              <a:ext uri="{28A0092B-C50C-407E-A947-70E740481C1C}">
+                <a14:useLocalDpi xmlns:a14="http://schemas.microsoft.com/office/drawing/2010/main" val="0"/>
+              </a:ext>
+            </a:extLst>
+          </a:blip>
+          <a:stretch>
+            <a:fillRect/>
+          </a:stretch>
+        </p:blipFill>
+        <p:spPr>
+          <a:xfrm>
+            <a:off x="1765141" y="2142992"/>
+            <a:ext cx="5482379" cy="2898115"/>
+          </a:xfrm>
+          <a:prstGeom prst="rect">
+            <a:avLst/>
+          </a:prstGeom>
+        </p:spPr>
+      </p:pic>
     </p:spTree>
     <p:extLst>
       <p:ext uri="{BB962C8B-B14F-4D97-AF65-F5344CB8AC3E}">
@@ -5056,7 +5074,17 @@
           <a:bodyPr/>
           <a:lstStyle/>
           <a:p>
-            <a:endParaRPr lang="fr-FR"/>
+            <a:r>
+              <a:rPr lang="fr-FR" dirty="0" smtClean="0"/>
+              <a:t>Intersection, union, différence</a:t>
+            </a:r>
+          </a:p>
+          <a:p>
+            <a:r>
+              <a:rPr lang="fr-FR" dirty="0" smtClean="0"/>
+              <a:t>Produit cartésien, projection, sélection</a:t>
+            </a:r>
+            <a:endParaRPr lang="fr-FR" dirty="0"/>
           </a:p>
         </p:txBody>
       </p:sp>
@@ -5136,6 +5164,36 @@
           </a:p>
         </p:txBody>
       </p:sp>
+      <p:pic>
+        <p:nvPicPr>
+          <p:cNvPr id="2" name="Image 1"/>
+          <p:cNvPicPr>
+            <a:picLocks noChangeAspect="1"/>
+          </p:cNvPicPr>
+          <p:nvPr/>
+        </p:nvPicPr>
+        <p:blipFill>
+          <a:blip r:embed="rId2">
+            <a:extLst>
+              <a:ext uri="{28A0092B-C50C-407E-A947-70E740481C1C}">
+                <a14:useLocalDpi xmlns:a14="http://schemas.microsoft.com/office/drawing/2010/main" val="0"/>
+              </a:ext>
+            </a:extLst>
+          </a:blip>
+          <a:stretch>
+            <a:fillRect/>
+          </a:stretch>
+        </p:blipFill>
+        <p:spPr>
+          <a:xfrm>
+            <a:off x="1880229" y="2144336"/>
+            <a:ext cx="5252204" cy="2849600"/>
+          </a:xfrm>
+          <a:prstGeom prst="rect">
+            <a:avLst/>
+          </a:prstGeom>
+        </p:spPr>
+      </p:pic>
     </p:spTree>
     <p:extLst>
       <p:ext uri="{BB962C8B-B14F-4D97-AF65-F5344CB8AC3E}">
@@ -5216,7 +5274,23 @@
           <a:bodyPr/>
           <a:lstStyle/>
           <a:p>
-            <a:endParaRPr lang="fr-FR"/>
+            <a:r>
+              <a:rPr lang="fr-FR" dirty="0" smtClean="0"/>
+              <a:t>Jointure </a:t>
+            </a:r>
+          </a:p>
+          <a:p>
+            <a:r>
+              <a:rPr lang="fr-FR" dirty="0" smtClean="0"/>
+              <a:t>Division</a:t>
+            </a:r>
+          </a:p>
+          <a:p>
+            <a:r>
+              <a:rPr lang="fr-FR" dirty="0" smtClean="0"/>
+              <a:t>Image schéma code + calcul</a:t>
+            </a:r>
+            <a:endParaRPr lang="fr-FR" dirty="0" smtClean="0"/>
           </a:p>
         </p:txBody>
       </p:sp>
@@ -5371,12 +5445,41 @@
             <p:ph idx="1"/>
           </p:nvPr>
         </p:nvSpPr>
-        <p:spPr/>
-        <p:txBody>
-          <a:bodyPr/>
-          <a:lstStyle/>
-          <a:p>
-            <a:endParaRPr lang="fr-FR"/>
+        <p:spPr>
+          <a:xfrm>
+            <a:off x="420079" y="1119615"/>
+            <a:ext cx="8303842" cy="3647648"/>
+          </a:xfrm>
+        </p:spPr>
+        <p:txBody>
+          <a:bodyPr/>
+          <a:lstStyle/>
+          <a:p>
+            <a:r>
+              <a:rPr lang="fr-FR" dirty="0" smtClean="0"/>
+              <a:t>Modification du titre</a:t>
+            </a:r>
+          </a:p>
+          <a:p>
+            <a:r>
+              <a:rPr lang="fr-FR" dirty="0" smtClean="0"/>
+              <a:t>Tri ascendant et descendant pour les colonnes</a:t>
+            </a:r>
+          </a:p>
+          <a:p>
+            <a:r>
+              <a:rPr lang="fr-FR" dirty="0" smtClean="0"/>
+              <a:t>Suppressions des lignes et colonnes</a:t>
+            </a:r>
+          </a:p>
+          <a:p>
+            <a:r>
+              <a:rPr lang="fr-FR" dirty="0" smtClean="0"/>
+              <a:t>Analyseur syntaxique</a:t>
+            </a:r>
+          </a:p>
+          <a:p>
+            <a:endParaRPr lang="fr-FR" dirty="0"/>
           </a:p>
         </p:txBody>
       </p:sp>
@@ -5456,6 +5559,36 @@
           </a:p>
         </p:txBody>
       </p:sp>
+      <p:pic>
+        <p:nvPicPr>
+          <p:cNvPr id="8" name="Image 7"/>
+          <p:cNvPicPr>
+            <a:picLocks noChangeAspect="1"/>
+          </p:cNvPicPr>
+          <p:nvPr/>
+        </p:nvPicPr>
+        <p:blipFill>
+          <a:blip r:embed="rId2">
+            <a:extLst>
+              <a:ext uri="{28A0092B-C50C-407E-A947-70E740481C1C}">
+                <a14:useLocalDpi xmlns:a14="http://schemas.microsoft.com/office/drawing/2010/main" val="0"/>
+              </a:ext>
+            </a:extLst>
+          </a:blip>
+          <a:stretch>
+            <a:fillRect/>
+          </a:stretch>
+        </p:blipFill>
+        <p:spPr>
+          <a:xfrm>
+            <a:off x="995381" y="3081317"/>
+            <a:ext cx="7153237" cy="1959790"/>
+          </a:xfrm>
+          <a:prstGeom prst="rect">
+            <a:avLst/>
+          </a:prstGeom>
+        </p:spPr>
+      </p:pic>
     </p:spTree>
     <p:extLst>
       <p:ext uri="{BB962C8B-B14F-4D97-AF65-F5344CB8AC3E}">
@@ -5503,40 +5636,47 @@
             <p:ph type="title"/>
           </p:nvPr>
         </p:nvSpPr>
-        <p:spPr>
-          <a:xfrm>
-            <a:off x="0" y="410585"/>
-            <a:ext cx="5051271" cy="244053"/>
-          </a:xfrm>
-        </p:spPr>
-        <p:txBody>
-          <a:bodyPr/>
-          <a:lstStyle/>
+        <p:spPr/>
+        <p:txBody>
+          <a:bodyPr/>
+          <a:lstStyle/>
+          <a:p>
+            <a:endParaRPr lang="fr-FR"/>
+          </a:p>
+        </p:txBody>
+      </p:sp>
+      <p:sp>
+        <p:nvSpPr>
+          <p:cNvPr id="3" name="Espace réservé du contenu 2"/>
+          <p:cNvSpPr>
+            <a:spLocks noGrp="1"/>
+          </p:cNvSpPr>
+          <p:nvPr>
+            <p:ph idx="1"/>
+          </p:nvPr>
+        </p:nvSpPr>
+        <p:spPr/>
+        <p:txBody>
+          <a:bodyPr/>
+          <a:lstStyle/>
+          <a:p>
+            <a:r>
+              <a:rPr lang="fr-FR" dirty="0"/>
+              <a:t>Relations déplaçables</a:t>
+            </a:r>
+          </a:p>
+          <a:p>
+            <a:r>
+              <a:rPr lang="fr-FR" dirty="0"/>
+              <a:t>Possibilité de réduire les relations</a:t>
+            </a:r>
+          </a:p>
           <a:p>
             <a:r>
               <a:rPr lang="fr-FR" dirty="0" smtClean="0"/>
-              <a:t>	Sécurité et contrôle de l’utilisateur</a:t>
+              <a:t>Infobulles</a:t>
             </a:r>
             <a:endParaRPr lang="fr-FR" dirty="0"/>
-          </a:p>
-        </p:txBody>
-      </p:sp>
-      <p:sp>
-        <p:nvSpPr>
-          <p:cNvPr id="3" name="Espace réservé du contenu 2"/>
-          <p:cNvSpPr>
-            <a:spLocks noGrp="1"/>
-          </p:cNvSpPr>
-          <p:nvPr>
-            <p:ph idx="1"/>
-          </p:nvPr>
-        </p:nvSpPr>
-        <p:spPr/>
-        <p:txBody>
-          <a:bodyPr/>
-          <a:lstStyle/>
-          <a:p>
-            <a:endParaRPr lang="fr-FR"/>
           </a:p>
         </p:txBody>
       </p:sp>
@@ -5593,46 +5733,55 @@
             <p:ph type="body" sz="quarter" idx="13"/>
           </p:nvPr>
         </p:nvSpPr>
-        <p:spPr>
-          <a:xfrm>
-            <a:off x="0" y="128641"/>
-            <a:ext cx="3866443" cy="272821"/>
-          </a:xfrm>
-        </p:spPr>
-        <p:txBody>
-          <a:bodyPr>
-            <a:normAutofit fontScale="92500"/>
-          </a:bodyPr>
-          <a:lstStyle/>
-          <a:p>
-            <a:r>
-              <a:rPr lang="fr-FR" dirty="0" smtClean="0"/>
-              <a:t>	Développement </a:t>
-            </a:r>
-            <a:r>
-              <a:rPr lang="fr-FR" dirty="0"/>
-              <a:t>de l’application web</a:t>
-            </a:r>
-          </a:p>
-        </p:txBody>
-      </p:sp>
+        <p:spPr/>
+        <p:txBody>
+          <a:bodyPr/>
+          <a:lstStyle/>
+          <a:p>
+            <a:endParaRPr lang="fr-FR"/>
+          </a:p>
+        </p:txBody>
+      </p:sp>
+      <p:pic>
+        <p:nvPicPr>
+          <p:cNvPr id="7" name="Image 6"/>
+          <p:cNvPicPr>
+            <a:picLocks noChangeAspect="1"/>
+          </p:cNvPicPr>
+          <p:nvPr/>
+        </p:nvPicPr>
+        <p:blipFill>
+          <a:blip r:embed="rId2">
+            <a:extLst>
+              <a:ext uri="{28A0092B-C50C-407E-A947-70E740481C1C}">
+                <a14:useLocalDpi xmlns:a14="http://schemas.microsoft.com/office/drawing/2010/main" val="0"/>
+              </a:ext>
+            </a:extLst>
+          </a:blip>
+          <a:stretch>
+            <a:fillRect/>
+          </a:stretch>
+        </p:blipFill>
+        <p:spPr>
+          <a:xfrm>
+            <a:off x="2191047" y="2599801"/>
+            <a:ext cx="4761905" cy="1914286"/>
+          </a:xfrm>
+          <a:prstGeom prst="rect">
+            <a:avLst/>
+          </a:prstGeom>
+        </p:spPr>
+      </p:pic>
     </p:spTree>
     <p:extLst>
       <p:ext uri="{BB962C8B-B14F-4D97-AF65-F5344CB8AC3E}">
-        <p14:creationId xmlns:p14="http://schemas.microsoft.com/office/powerpoint/2010/main" val="240882244"/>
+        <p14:creationId xmlns:p14="http://schemas.microsoft.com/office/powerpoint/2010/main" val="1096177973"/>
       </p:ext>
     </p:extLst>
   </p:cSld>
   <p:clrMapOvr>
     <a:masterClrMapping/>
   </p:clrMapOvr>
-  <p:timing>
-    <p:tnLst>
-      <p:par>
-        <p:cTn id="1" dur="indefinite" restart="never" nodeType="tmRoot"/>
-      </p:par>
-    </p:tnLst>
-  </p:timing>
 </p:sld>
 </file>
 
@@ -5665,8 +5814,8 @@
         </p:nvSpPr>
         <p:spPr>
           <a:xfrm>
-            <a:off x="0" y="405336"/>
-            <a:ext cx="7252137" cy="244053"/>
+            <a:off x="0" y="410585"/>
+            <a:ext cx="5051271" cy="244053"/>
           </a:xfrm>
         </p:spPr>
         <p:txBody>
@@ -5675,43 +5824,41 @@
           <a:p>
             <a:r>
               <a:rPr lang="fr-FR" dirty="0" smtClean="0"/>
-              <a:t>	Problèmes </a:t>
-            </a:r>
-            <a:r>
-              <a:rPr lang="fr-FR" dirty="0"/>
-              <a:t>rencontrés &amp; </a:t>
-            </a:r>
+              <a:t>	Sécurité et contrôle de l’utilisateur</a:t>
+            </a:r>
+            <a:endParaRPr lang="fr-FR" dirty="0"/>
+          </a:p>
+        </p:txBody>
+      </p:sp>
+      <p:sp>
+        <p:nvSpPr>
+          <p:cNvPr id="3" name="Espace réservé du contenu 2"/>
+          <p:cNvSpPr>
+            <a:spLocks noGrp="1"/>
+          </p:cNvSpPr>
+          <p:nvPr>
+            <p:ph idx="1"/>
+          </p:nvPr>
+        </p:nvSpPr>
+        <p:spPr/>
+        <p:txBody>
+          <a:bodyPr/>
+          <a:lstStyle/>
+          <a:p>
             <a:r>
               <a:rPr lang="fr-FR" dirty="0" smtClean="0"/>
-              <a:t>solutions apportées</a:t>
-            </a:r>
-            <a:r>
-              <a:rPr lang="fr-FR" dirty="0"/>
-              <a:t/>
-            </a:r>
-            <a:br>
-              <a:rPr lang="fr-FR" dirty="0"/>
-            </a:br>
+              <a:t>Vérifications dans les fonctions de calculs</a:t>
+            </a:r>
+          </a:p>
+          <a:p>
             <a:endParaRPr lang="fr-FR" dirty="0"/>
           </a:p>
-        </p:txBody>
-      </p:sp>
-      <p:sp>
-        <p:nvSpPr>
-          <p:cNvPr id="3" name="Espace réservé du contenu 2"/>
-          <p:cNvSpPr>
-            <a:spLocks noGrp="1"/>
-          </p:cNvSpPr>
-          <p:nvPr>
-            <p:ph idx="1"/>
-          </p:nvPr>
-        </p:nvSpPr>
-        <p:spPr/>
-        <p:txBody>
-          <a:bodyPr/>
-          <a:lstStyle/>
-          <a:p>
-            <a:endParaRPr lang="fr-FR"/>
+          <a:p>
+            <a:r>
+              <a:rPr lang="fr-FR" dirty="0" smtClean="0"/>
+              <a:t>Tests manuels de nos opérateurs</a:t>
+            </a:r>
+            <a:endParaRPr lang="fr-FR" dirty="0"/>
           </a:p>
         </p:txBody>
       </p:sp>
@@ -5770,8 +5917,8 @@
         </p:nvSpPr>
         <p:spPr>
           <a:xfrm>
-            <a:off x="0" y="131490"/>
-            <a:ext cx="3874826" cy="272821"/>
+            <a:off x="0" y="128641"/>
+            <a:ext cx="3866443" cy="272821"/>
           </a:xfrm>
         </p:spPr>
         <p:txBody>
@@ -5782,16 +5929,19 @@
           <a:p>
             <a:r>
               <a:rPr lang="fr-FR" dirty="0" smtClean="0"/>
-              <a:t>	Développement de l’application web</a:t>
-            </a:r>
-            <a:endParaRPr lang="fr-FR" dirty="0"/>
+              <a:t>	Développement </a:t>
+            </a:r>
+            <a:r>
+              <a:rPr lang="fr-FR" dirty="0"/>
+              <a:t>de l’application web</a:t>
+            </a:r>
           </a:p>
         </p:txBody>
       </p:sp>
     </p:spTree>
     <p:extLst>
       <p:ext uri="{BB962C8B-B14F-4D97-AF65-F5344CB8AC3E}">
-        <p14:creationId xmlns:p14="http://schemas.microsoft.com/office/powerpoint/2010/main" val="3914857584"/>
+        <p14:creationId xmlns:p14="http://schemas.microsoft.com/office/powerpoint/2010/main" val="240882244"/>
       </p:ext>
     </p:extLst>
   </p:cSld>
@@ -5827,7 +5977,7 @@
       </p:grpSpPr>
       <p:sp>
         <p:nvSpPr>
-          <p:cNvPr id="7" name="Titre 6"/>
+          <p:cNvPr id="2" name="Titre 1"/>
           <p:cNvSpPr>
             <a:spLocks noGrp="1"/>
           </p:cNvSpPr>
@@ -5835,6 +5985,49 @@
             <p:ph type="title"/>
           </p:nvPr>
         </p:nvSpPr>
+        <p:spPr>
+          <a:xfrm>
+            <a:off x="0" y="405336"/>
+            <a:ext cx="7252137" cy="244053"/>
+          </a:xfrm>
+        </p:spPr>
+        <p:txBody>
+          <a:bodyPr/>
+          <a:lstStyle/>
+          <a:p>
+            <a:r>
+              <a:rPr lang="fr-FR" dirty="0" smtClean="0"/>
+              <a:t>	Problèmes </a:t>
+            </a:r>
+            <a:r>
+              <a:rPr lang="fr-FR" dirty="0"/>
+              <a:t>rencontrés &amp; </a:t>
+            </a:r>
+            <a:r>
+              <a:rPr lang="fr-FR" dirty="0" smtClean="0"/>
+              <a:t>solutions apportées</a:t>
+            </a:r>
+            <a:r>
+              <a:rPr lang="fr-FR" dirty="0"/>
+              <a:t/>
+            </a:r>
+            <a:br>
+              <a:rPr lang="fr-FR" dirty="0"/>
+            </a:br>
+            <a:endParaRPr lang="fr-FR" dirty="0"/>
+          </a:p>
+        </p:txBody>
+      </p:sp>
+      <p:sp>
+        <p:nvSpPr>
+          <p:cNvPr id="3" name="Espace réservé du contenu 2"/>
+          <p:cNvSpPr>
+            <a:spLocks noGrp="1"/>
+          </p:cNvSpPr>
+          <p:nvPr>
+            <p:ph idx="1"/>
+          </p:nvPr>
+        </p:nvSpPr>
         <p:spPr/>
         <p:txBody>
           <a:bodyPr/>
@@ -5842,9 +6035,28 @@
           <a:p>
             <a:r>
               <a:rPr lang="fr-FR" dirty="0" smtClean="0"/>
-              <a:t>Résultats &amp; états du projet</a:t>
+              <a:t>Modèle de données</a:t>
             </a:r>
             <a:endParaRPr lang="fr-FR" dirty="0"/>
+          </a:p>
+        </p:txBody>
+      </p:sp>
+      <p:sp>
+        <p:nvSpPr>
+          <p:cNvPr id="4" name="Espace réservé du pied de page 3"/>
+          <p:cNvSpPr>
+            <a:spLocks noGrp="1"/>
+          </p:cNvSpPr>
+          <p:nvPr>
+            <p:ph type="ftr" sz="quarter" idx="11"/>
+          </p:nvPr>
+        </p:nvSpPr>
+        <p:spPr/>
+        <p:txBody>
+          <a:bodyPr/>
+          <a:lstStyle/>
+          <a:p>
+            <a:endParaRPr lang="fr-FR"/>
           </a:p>
         </p:txBody>
       </p:sp>
@@ -5874,27 +6086,38 @@
       </p:sp>
       <p:sp>
         <p:nvSpPr>
-          <p:cNvPr id="8" name="Sous-titre 7"/>
-          <p:cNvSpPr>
-            <a:spLocks noGrp="1"/>
-          </p:cNvSpPr>
-          <p:nvPr>
-            <p:ph type="subTitle" idx="13"/>
-          </p:nvPr>
-        </p:nvSpPr>
-        <p:spPr/>
-        <p:txBody>
-          <a:bodyPr/>
-          <a:lstStyle/>
-          <a:p>
-            <a:endParaRPr lang="fr-FR"/>
+          <p:cNvPr id="6" name="Espace réservé du texte 5"/>
+          <p:cNvSpPr>
+            <a:spLocks noGrp="1"/>
+          </p:cNvSpPr>
+          <p:nvPr>
+            <p:ph type="body" sz="quarter" idx="13"/>
+          </p:nvPr>
+        </p:nvSpPr>
+        <p:spPr>
+          <a:xfrm>
+            <a:off x="0" y="131490"/>
+            <a:ext cx="3874826" cy="272821"/>
+          </a:xfrm>
+        </p:spPr>
+        <p:txBody>
+          <a:bodyPr>
+            <a:normAutofit fontScale="92500"/>
+          </a:bodyPr>
+          <a:lstStyle/>
+          <a:p>
+            <a:r>
+              <a:rPr lang="fr-FR" dirty="0" smtClean="0"/>
+              <a:t>	Développement de l’application web</a:t>
+            </a:r>
+            <a:endParaRPr lang="fr-FR" dirty="0"/>
           </a:p>
         </p:txBody>
       </p:sp>
     </p:spTree>
     <p:extLst>
       <p:ext uri="{BB962C8B-B14F-4D97-AF65-F5344CB8AC3E}">
-        <p14:creationId xmlns:p14="http://schemas.microsoft.com/office/powerpoint/2010/main" val="1304117078"/>
+        <p14:creationId xmlns:p14="http://schemas.microsoft.com/office/powerpoint/2010/main" val="3914857584"/>
       </p:ext>
     </p:extLst>
   </p:cSld>
@@ -5930,7 +6153,7 @@
       </p:grpSpPr>
       <p:sp>
         <p:nvSpPr>
-          <p:cNvPr id="2" name="Titre 1"/>
+          <p:cNvPr id="7" name="Titre 6"/>
           <p:cNvSpPr>
             <a:spLocks noGrp="1"/>
           </p:cNvSpPr>
@@ -5938,55 +6161,16 @@
             <p:ph type="title"/>
           </p:nvPr>
         </p:nvSpPr>
-        <p:spPr>
-          <a:xfrm>
-            <a:off x="317421" y="358311"/>
-            <a:ext cx="1467142" cy="244053"/>
-          </a:xfrm>
-        </p:spPr>
-        <p:txBody>
-          <a:bodyPr/>
-          <a:lstStyle/>
-          <a:p>
+        <p:spPr/>
+        <p:txBody>
+          <a:bodyPr/>
+          <a:lstStyle/>
+          <a:p>
+            <a:r>
+              <a:rPr lang="fr-FR" dirty="0" smtClean="0"/>
+              <a:t>Résultats &amp; états du projet</a:t>
+            </a:r>
             <a:endParaRPr lang="fr-FR" dirty="0"/>
-          </a:p>
-        </p:txBody>
-      </p:sp>
-      <p:sp>
-        <p:nvSpPr>
-          <p:cNvPr id="3" name="Espace réservé du contenu 2"/>
-          <p:cNvSpPr>
-            <a:spLocks noGrp="1"/>
-          </p:cNvSpPr>
-          <p:nvPr>
-            <p:ph idx="1"/>
-          </p:nvPr>
-        </p:nvSpPr>
-        <p:spPr/>
-        <p:txBody>
-          <a:bodyPr/>
-          <a:lstStyle/>
-          <a:p>
-            <a:endParaRPr lang="fr-FR"/>
-          </a:p>
-        </p:txBody>
-      </p:sp>
-      <p:sp>
-        <p:nvSpPr>
-          <p:cNvPr id="4" name="Espace réservé du pied de page 3"/>
-          <p:cNvSpPr>
-            <a:spLocks noGrp="1"/>
-          </p:cNvSpPr>
-          <p:nvPr>
-            <p:ph type="ftr" sz="quarter" idx="11"/>
-          </p:nvPr>
-        </p:nvSpPr>
-        <p:spPr/>
-        <p:txBody>
-          <a:bodyPr/>
-          <a:lstStyle/>
-          <a:p>
-            <a:endParaRPr lang="fr-FR"/>
           </a:p>
         </p:txBody>
       </p:sp>
@@ -6016,36 +6200,27 @@
       </p:sp>
       <p:sp>
         <p:nvSpPr>
-          <p:cNvPr id="6" name="Espace réservé du texte 5"/>
-          <p:cNvSpPr>
-            <a:spLocks noGrp="1"/>
-          </p:cNvSpPr>
-          <p:nvPr>
-            <p:ph type="body" sz="quarter" idx="13"/>
-          </p:nvPr>
-        </p:nvSpPr>
-        <p:spPr>
-          <a:xfrm>
-            <a:off x="317421" y="85490"/>
-            <a:ext cx="3557405" cy="272821"/>
-          </a:xfrm>
-        </p:spPr>
-        <p:txBody>
-          <a:bodyPr/>
-          <a:lstStyle/>
-          <a:p>
-            <a:r>
-              <a:rPr lang="fr-FR" dirty="0" smtClean="0"/>
-              <a:t>Résultats &amp; états du projet</a:t>
-            </a:r>
-            <a:endParaRPr lang="fr-FR" dirty="0"/>
+          <p:cNvPr id="8" name="Sous-titre 7"/>
+          <p:cNvSpPr>
+            <a:spLocks noGrp="1"/>
+          </p:cNvSpPr>
+          <p:nvPr>
+            <p:ph type="subTitle" idx="13"/>
+          </p:nvPr>
+        </p:nvSpPr>
+        <p:spPr/>
+        <p:txBody>
+          <a:bodyPr/>
+          <a:lstStyle/>
+          <a:p>
+            <a:endParaRPr lang="fr-FR"/>
           </a:p>
         </p:txBody>
       </p:sp>
     </p:spTree>
     <p:extLst>
       <p:ext uri="{BB962C8B-B14F-4D97-AF65-F5344CB8AC3E}">
-        <p14:creationId xmlns:p14="http://schemas.microsoft.com/office/powerpoint/2010/main" val="624227512"/>
+        <p14:creationId xmlns:p14="http://schemas.microsoft.com/office/powerpoint/2010/main" val="1304117078"/>
       </p:ext>
     </p:extLst>
   </p:cSld>
@@ -6309,7 +6484,7 @@
         </p:nvSpPr>
         <p:spPr>
           <a:xfrm>
-            <a:off x="320049" y="358311"/>
+            <a:off x="317421" y="358311"/>
             <a:ext cx="1467142" cy="244053"/>
           </a:xfrm>
         </p:spPr>
@@ -6317,7 +6492,7 @@
           <a:bodyPr/>
           <a:lstStyle/>
           <a:p>
-            <a:endParaRPr lang="fr-FR"/>
+            <a:endParaRPr lang="fr-FR" dirty="0"/>
           </a:p>
         </p:txBody>
       </p:sp>
@@ -6336,7 +6511,15 @@
           <a:bodyPr/>
           <a:lstStyle/>
           <a:p>
-            <a:endParaRPr lang="fr-FR"/>
+            <a:r>
+              <a:rPr lang="fr-FR" dirty="0" smtClean="0"/>
+              <a:t>Explication </a:t>
+            </a:r>
+            <a:r>
+              <a:rPr lang="fr-FR" dirty="0" err="1" smtClean="0"/>
+              <a:t>resultat</a:t>
+            </a:r>
+            <a:endParaRPr lang="fr-FR" dirty="0"/>
           </a:p>
         </p:txBody>
       </p:sp>
@@ -6395,7 +6578,7 @@
         </p:nvSpPr>
         <p:spPr>
           <a:xfrm>
-            <a:off x="320049" y="85490"/>
+            <a:off x="317421" y="85490"/>
             <a:ext cx="3557405" cy="272821"/>
           </a:xfrm>
         </p:spPr>
@@ -6414,7 +6597,7 @@
     </p:spTree>
     <p:extLst>
       <p:ext uri="{BB962C8B-B14F-4D97-AF65-F5344CB8AC3E}">
-        <p14:creationId xmlns:p14="http://schemas.microsoft.com/office/powerpoint/2010/main" val="2913447844"/>
+        <p14:creationId xmlns:p14="http://schemas.microsoft.com/office/powerpoint/2010/main" val="624227512"/>
       </p:ext>
     </p:extLst>
   </p:cSld>
@@ -6450,7 +6633,7 @@
       </p:grpSpPr>
       <p:sp>
         <p:nvSpPr>
-          <p:cNvPr id="7" name="Titre 6"/>
+          <p:cNvPr id="2" name="Titre 1"/>
           <p:cNvSpPr>
             <a:spLocks noGrp="1"/>
           </p:cNvSpPr>
@@ -6458,16 +6641,59 @@
             <p:ph type="title"/>
           </p:nvPr>
         </p:nvSpPr>
+        <p:spPr>
+          <a:xfrm>
+            <a:off x="320049" y="358311"/>
+            <a:ext cx="1467142" cy="244053"/>
+          </a:xfrm>
+        </p:spPr>
+        <p:txBody>
+          <a:bodyPr/>
+          <a:lstStyle/>
+          <a:p>
+            <a:endParaRPr lang="fr-FR"/>
+          </a:p>
+        </p:txBody>
+      </p:sp>
+      <p:sp>
+        <p:nvSpPr>
+          <p:cNvPr id="3" name="Espace réservé du contenu 2"/>
+          <p:cNvSpPr>
+            <a:spLocks noGrp="1"/>
+          </p:cNvSpPr>
+          <p:nvPr>
+            <p:ph idx="1"/>
+          </p:nvPr>
+        </p:nvSpPr>
         <p:spPr/>
         <p:txBody>
           <a:bodyPr/>
           <a:lstStyle/>
           <a:p>
             <a:r>
-              <a:rPr lang="fr-FR" dirty="0" smtClean="0"/>
-              <a:t>Conclusion &amp; perspectives</a:t>
-            </a:r>
-            <a:endParaRPr lang="fr-FR" dirty="0"/>
+              <a:rPr lang="fr-FR" smtClean="0"/>
+              <a:t>Démo avec vidéo</a:t>
+            </a:r>
+            <a:endParaRPr lang="fr-FR"/>
+          </a:p>
+        </p:txBody>
+      </p:sp>
+      <p:sp>
+        <p:nvSpPr>
+          <p:cNvPr id="4" name="Espace réservé du pied de page 3"/>
+          <p:cNvSpPr>
+            <a:spLocks noGrp="1"/>
+          </p:cNvSpPr>
+          <p:nvPr>
+            <p:ph type="ftr" sz="quarter" idx="11"/>
+          </p:nvPr>
+        </p:nvSpPr>
+        <p:spPr/>
+        <p:txBody>
+          <a:bodyPr/>
+          <a:lstStyle/>
+          <a:p>
+            <a:endParaRPr lang="fr-FR"/>
           </a:p>
         </p:txBody>
       </p:sp>
@@ -6497,27 +6723,36 @@
       </p:sp>
       <p:sp>
         <p:nvSpPr>
-          <p:cNvPr id="8" name="Sous-titre 7"/>
-          <p:cNvSpPr>
-            <a:spLocks noGrp="1"/>
-          </p:cNvSpPr>
-          <p:nvPr>
-            <p:ph type="subTitle" idx="13"/>
-          </p:nvPr>
-        </p:nvSpPr>
-        <p:spPr/>
-        <p:txBody>
-          <a:bodyPr/>
-          <a:lstStyle/>
-          <a:p>
-            <a:endParaRPr lang="fr-FR"/>
+          <p:cNvPr id="6" name="Espace réservé du texte 5"/>
+          <p:cNvSpPr>
+            <a:spLocks noGrp="1"/>
+          </p:cNvSpPr>
+          <p:nvPr>
+            <p:ph type="body" sz="quarter" idx="13"/>
+          </p:nvPr>
+        </p:nvSpPr>
+        <p:spPr>
+          <a:xfrm>
+            <a:off x="320049" y="85490"/>
+            <a:ext cx="3557405" cy="272821"/>
+          </a:xfrm>
+        </p:spPr>
+        <p:txBody>
+          <a:bodyPr/>
+          <a:lstStyle/>
+          <a:p>
+            <a:r>
+              <a:rPr lang="fr-FR" dirty="0" smtClean="0"/>
+              <a:t>Résultats &amp; états du projet</a:t>
+            </a:r>
+            <a:endParaRPr lang="fr-FR" dirty="0"/>
           </a:p>
         </p:txBody>
       </p:sp>
     </p:spTree>
     <p:extLst>
       <p:ext uri="{BB962C8B-B14F-4D97-AF65-F5344CB8AC3E}">
-        <p14:creationId xmlns:p14="http://schemas.microsoft.com/office/powerpoint/2010/main" val="3967661714"/>
+        <p14:creationId xmlns:p14="http://schemas.microsoft.com/office/powerpoint/2010/main" val="2913447844"/>
       </p:ext>
     </p:extLst>
   </p:cSld>
@@ -6553,7 +6788,7 @@
       </p:grpSpPr>
       <p:sp>
         <p:nvSpPr>
-          <p:cNvPr id="2" name="Titre 1"/>
+          <p:cNvPr id="7" name="Titre 6"/>
           <p:cNvSpPr>
             <a:spLocks noGrp="1"/>
           </p:cNvSpPr>
@@ -6561,55 +6796,16 @@
             <p:ph type="title"/>
           </p:nvPr>
         </p:nvSpPr>
-        <p:spPr>
-          <a:xfrm>
-            <a:off x="317421" y="371670"/>
-            <a:ext cx="1467142" cy="244053"/>
-          </a:xfrm>
-        </p:spPr>
-        <p:txBody>
-          <a:bodyPr/>
-          <a:lstStyle/>
-          <a:p>
-            <a:endParaRPr lang="fr-FR"/>
-          </a:p>
-        </p:txBody>
-      </p:sp>
-      <p:sp>
-        <p:nvSpPr>
-          <p:cNvPr id="3" name="Espace réservé du contenu 2"/>
-          <p:cNvSpPr>
-            <a:spLocks noGrp="1"/>
-          </p:cNvSpPr>
-          <p:nvPr>
-            <p:ph idx="1"/>
-          </p:nvPr>
-        </p:nvSpPr>
         <p:spPr/>
         <p:txBody>
           <a:bodyPr/>
           <a:lstStyle/>
           <a:p>
-            <a:endParaRPr lang="fr-FR"/>
-          </a:p>
-        </p:txBody>
-      </p:sp>
-      <p:sp>
-        <p:nvSpPr>
-          <p:cNvPr id="4" name="Espace réservé du pied de page 3"/>
-          <p:cNvSpPr>
-            <a:spLocks noGrp="1"/>
-          </p:cNvSpPr>
-          <p:nvPr>
-            <p:ph type="ftr" sz="quarter" idx="11"/>
-          </p:nvPr>
-        </p:nvSpPr>
-        <p:spPr/>
-        <p:txBody>
-          <a:bodyPr/>
-          <a:lstStyle/>
-          <a:p>
-            <a:endParaRPr lang="fr-FR"/>
+            <a:r>
+              <a:rPr lang="fr-FR" dirty="0" smtClean="0"/>
+              <a:t>Conclusion &amp; perspectives</a:t>
+            </a:r>
+            <a:endParaRPr lang="fr-FR" dirty="0"/>
           </a:p>
         </p:txBody>
       </p:sp>
@@ -6639,36 +6835,27 @@
       </p:sp>
       <p:sp>
         <p:nvSpPr>
-          <p:cNvPr id="6" name="Espace réservé du texte 5"/>
-          <p:cNvSpPr>
-            <a:spLocks noGrp="1"/>
-          </p:cNvSpPr>
-          <p:nvPr>
-            <p:ph type="body" sz="quarter" idx="13"/>
-          </p:nvPr>
-        </p:nvSpPr>
-        <p:spPr>
-          <a:xfrm>
-            <a:off x="317421" y="85490"/>
-            <a:ext cx="3557405" cy="272821"/>
-          </a:xfrm>
-        </p:spPr>
-        <p:txBody>
-          <a:bodyPr/>
-          <a:lstStyle/>
-          <a:p>
-            <a:r>
-              <a:rPr lang="fr-FR" dirty="0" smtClean="0"/>
-              <a:t>Conclusion &amp; perspectives</a:t>
-            </a:r>
-            <a:endParaRPr lang="fr-FR" dirty="0"/>
+          <p:cNvPr id="8" name="Sous-titre 7"/>
+          <p:cNvSpPr>
+            <a:spLocks noGrp="1"/>
+          </p:cNvSpPr>
+          <p:nvPr>
+            <p:ph type="subTitle" idx="13"/>
+          </p:nvPr>
+        </p:nvSpPr>
+        <p:spPr/>
+        <p:txBody>
+          <a:bodyPr/>
+          <a:lstStyle/>
+          <a:p>
+            <a:endParaRPr lang="fr-FR"/>
           </a:p>
         </p:txBody>
       </p:sp>
     </p:spTree>
     <p:extLst>
       <p:ext uri="{BB962C8B-B14F-4D97-AF65-F5344CB8AC3E}">
-        <p14:creationId xmlns:p14="http://schemas.microsoft.com/office/powerpoint/2010/main" val="3534471885"/>
+        <p14:creationId xmlns:p14="http://schemas.microsoft.com/office/powerpoint/2010/main" val="3967661714"/>
       </p:ext>
     </p:extLst>
   </p:cSld>
@@ -6714,7 +6901,7 @@
         </p:nvSpPr>
         <p:spPr>
           <a:xfrm>
-            <a:off x="309039" y="361679"/>
+            <a:off x="317421" y="371670"/>
             <a:ext cx="1467142" cy="244053"/>
           </a:xfrm>
         </p:spPr>
@@ -6722,7 +6909,7 @@
           <a:bodyPr/>
           <a:lstStyle/>
           <a:p>
-            <a:endParaRPr lang="fr-FR" dirty="0"/>
+            <a:endParaRPr lang="fr-FR"/>
           </a:p>
         </p:txBody>
       </p:sp>
@@ -6741,6 +6928,10 @@
           <a:bodyPr/>
           <a:lstStyle/>
           <a:p>
+            <a:r>
+              <a:rPr lang="fr-FR" dirty="0" smtClean="0"/>
+              <a:t>+ bilan perso</a:t>
+            </a:r>
             <a:endParaRPr lang="fr-FR" dirty="0"/>
           </a:p>
         </p:txBody>
@@ -6800,7 +6991,7 @@
         </p:nvSpPr>
         <p:spPr>
           <a:xfrm>
-            <a:off x="309039" y="84347"/>
+            <a:off x="317421" y="85490"/>
             <a:ext cx="3557405" cy="272821"/>
           </a:xfrm>
         </p:spPr>
@@ -6819,7 +7010,7 @@
     </p:spTree>
     <p:extLst>
       <p:ext uri="{BB962C8B-B14F-4D97-AF65-F5344CB8AC3E}">
-        <p14:creationId xmlns:p14="http://schemas.microsoft.com/office/powerpoint/2010/main" val="2249449088"/>
+        <p14:creationId xmlns:p14="http://schemas.microsoft.com/office/powerpoint/2010/main" val="3534471885"/>
       </p:ext>
     </p:extLst>
   </p:cSld>
@@ -6855,6 +7046,69 @@
       </p:grpSpPr>
       <p:sp>
         <p:nvSpPr>
+          <p:cNvPr id="2" name="Titre 1"/>
+          <p:cNvSpPr>
+            <a:spLocks noGrp="1"/>
+          </p:cNvSpPr>
+          <p:nvPr>
+            <p:ph type="title"/>
+          </p:nvPr>
+        </p:nvSpPr>
+        <p:spPr>
+          <a:xfrm>
+            <a:off x="309039" y="361679"/>
+            <a:ext cx="1467142" cy="244053"/>
+          </a:xfrm>
+        </p:spPr>
+        <p:txBody>
+          <a:bodyPr/>
+          <a:lstStyle/>
+          <a:p>
+            <a:r>
+              <a:rPr lang="fr-FR" dirty="0" smtClean="0"/>
+              <a:t>Aller plus loin</a:t>
+            </a:r>
+            <a:endParaRPr lang="fr-FR" dirty="0"/>
+          </a:p>
+        </p:txBody>
+      </p:sp>
+      <p:sp>
+        <p:nvSpPr>
+          <p:cNvPr id="3" name="Espace réservé du contenu 2"/>
+          <p:cNvSpPr>
+            <a:spLocks noGrp="1"/>
+          </p:cNvSpPr>
+          <p:nvPr>
+            <p:ph idx="1"/>
+          </p:nvPr>
+        </p:nvSpPr>
+        <p:spPr/>
+        <p:txBody>
+          <a:bodyPr/>
+          <a:lstStyle/>
+          <a:p>
+            <a:r>
+              <a:rPr lang="fr-FR" dirty="0" smtClean="0"/>
+              <a:t>Ajouter une application mobile</a:t>
+            </a:r>
+          </a:p>
+          <a:p>
+            <a:r>
+              <a:rPr lang="fr-FR" dirty="0" smtClean="0"/>
+              <a:t>Amélioration du CSS</a:t>
+            </a:r>
+          </a:p>
+          <a:p>
+            <a:r>
+              <a:rPr lang="fr-FR" dirty="0" smtClean="0"/>
+              <a:t>Amélioration de l’analyseur syntaxique</a:t>
+            </a:r>
+            <a:endParaRPr lang="fr-FR" dirty="0"/>
+          </a:p>
+        </p:txBody>
+      </p:sp>
+      <p:sp>
+        <p:nvSpPr>
           <p:cNvPr id="4" name="Espace réservé du pied de page 3"/>
           <p:cNvSpPr>
             <a:spLocks noGrp="1"/>
@@ -6898,12 +7152,77 @@
       </p:sp>
       <p:sp>
         <p:nvSpPr>
-          <p:cNvPr id="7" name="Espace réservé du texte 6"/>
-          <p:cNvSpPr>
-            <a:spLocks noGrp="1"/>
-          </p:cNvSpPr>
-          <p:nvPr>
-            <p:ph type="body" sz="quarter" idx="14"/>
+          <p:cNvPr id="6" name="Espace réservé du texte 5"/>
+          <p:cNvSpPr>
+            <a:spLocks noGrp="1"/>
+          </p:cNvSpPr>
+          <p:nvPr>
+            <p:ph type="body" sz="quarter" idx="13"/>
+          </p:nvPr>
+        </p:nvSpPr>
+        <p:spPr>
+          <a:xfrm>
+            <a:off x="309039" y="84347"/>
+            <a:ext cx="3557405" cy="272821"/>
+          </a:xfrm>
+        </p:spPr>
+        <p:txBody>
+          <a:bodyPr/>
+          <a:lstStyle/>
+          <a:p>
+            <a:r>
+              <a:rPr lang="fr-FR" dirty="0" smtClean="0"/>
+              <a:t>Conclusion &amp; perspectives</a:t>
+            </a:r>
+            <a:endParaRPr lang="fr-FR" dirty="0"/>
+          </a:p>
+        </p:txBody>
+      </p:sp>
+    </p:spTree>
+    <p:extLst>
+      <p:ext uri="{BB962C8B-B14F-4D97-AF65-F5344CB8AC3E}">
+        <p14:creationId xmlns:p14="http://schemas.microsoft.com/office/powerpoint/2010/main" val="2249449088"/>
+      </p:ext>
+    </p:extLst>
+  </p:cSld>
+  <p:clrMapOvr>
+    <a:masterClrMapping/>
+  </p:clrMapOvr>
+  <p:timing>
+    <p:tnLst>
+      <p:par>
+        <p:cTn id="1" dur="indefinite" restart="never" nodeType="tmRoot"/>
+      </p:par>
+    </p:tnLst>
+  </p:timing>
+</p:sld>
+</file>
+
+<file path=ppt/slides/slide25.xml><?xml version="1.0" encoding="utf-8"?>
+<p:sld xmlns:a="http://schemas.openxmlformats.org/drawingml/2006/main" xmlns:r="http://schemas.openxmlformats.org/officeDocument/2006/relationships" xmlns:p="http://schemas.openxmlformats.org/presentationml/2006/main">
+  <p:cSld>
+    <p:spTree>
+      <p:nvGrpSpPr>
+        <p:cNvPr id="1" name=""/>
+        <p:cNvGrpSpPr/>
+        <p:nvPr/>
+      </p:nvGrpSpPr>
+      <p:grpSpPr>
+        <a:xfrm>
+          <a:off x="0" y="0"/>
+          <a:ext cx="0" cy="0"/>
+          <a:chOff x="0" y="0"/>
+          <a:chExt cx="0" cy="0"/>
+        </a:xfrm>
+      </p:grpSpPr>
+      <p:sp>
+        <p:nvSpPr>
+          <p:cNvPr id="5" name="Espace réservé du numéro de diapositive 4"/>
+          <p:cNvSpPr>
+            <a:spLocks noGrp="1"/>
+          </p:cNvSpPr>
+          <p:nvPr>
+            <p:ph type="sldNum" sz="quarter" idx="12"/>
           </p:nvPr>
         </p:nvSpPr>
         <p:spPr/>
@@ -6911,6 +7230,11 @@
           <a:bodyPr/>
           <a:lstStyle/>
           <a:p>
+            <a:fld id="{604F9983-238B-5A48-87F7-46742A2BA19E}" type="slidenum">
+              <a:rPr lang="fr-FR" smtClean="0"/>
+              <a:pPr/>
+              <a:t>25</a:t>
+            </a:fld>
             <a:endParaRPr lang="fr-FR"/>
           </a:p>
         </p:txBody>
@@ -7616,11 +7940,38 @@
             <p:ph idx="1"/>
           </p:nvPr>
         </p:nvSpPr>
-        <p:spPr/>
-        <p:txBody>
-          <a:bodyPr/>
-          <a:lstStyle/>
-          <a:p>
+        <p:spPr>
+          <a:xfrm>
+            <a:off x="562517" y="1372791"/>
+            <a:ext cx="7887629" cy="3394472"/>
+          </a:xfrm>
+        </p:spPr>
+        <p:txBody>
+          <a:bodyPr/>
+          <a:lstStyle/>
+          <a:p>
+            <a:r>
+              <a:rPr lang="fr-FR" dirty="0" smtClean="0"/>
+              <a:t>Application web simple &amp; fonctionnel</a:t>
+            </a:r>
+          </a:p>
+          <a:p>
+            <a:r>
+              <a:rPr lang="fr-FR" dirty="0" smtClean="0"/>
+              <a:t>HTML CSS et JS</a:t>
+            </a:r>
+          </a:p>
+          <a:p>
+            <a:r>
+              <a:rPr lang="fr-FR" dirty="0" smtClean="0"/>
+              <a:t>Définir des relations et leurs contenus</a:t>
+            </a:r>
+          </a:p>
+          <a:p>
+            <a:r>
+              <a:rPr lang="fr-FR" dirty="0" smtClean="0"/>
+              <a:t>Sauvegarder ces modèles</a:t>
+            </a:r>
             <a:endParaRPr lang="fr-FR" dirty="0"/>
           </a:p>
         </p:txBody>
@@ -7652,25 +8003,6 @@
               <a:t>	Etude du projet</a:t>
             </a:r>
             <a:endParaRPr lang="fr-FR" dirty="0"/>
-          </a:p>
-        </p:txBody>
-      </p:sp>
-      <p:sp>
-        <p:nvSpPr>
-          <p:cNvPr id="5" name="Espace réservé du pied de page 4"/>
-          <p:cNvSpPr>
-            <a:spLocks noGrp="1"/>
-          </p:cNvSpPr>
-          <p:nvPr>
-            <p:ph type="ftr" sz="quarter" idx="11"/>
-          </p:nvPr>
-        </p:nvSpPr>
-        <p:spPr/>
-        <p:txBody>
-          <a:bodyPr/>
-          <a:lstStyle/>
-          <a:p>
-            <a:endParaRPr lang="fr-FR"/>
           </a:p>
         </p:txBody>
       </p:sp>
@@ -7778,6 +8110,29 @@
           <a:bodyPr/>
           <a:lstStyle/>
           <a:p>
+            <a:r>
+              <a:rPr lang="fr-FR" dirty="0" err="1" smtClean="0"/>
+              <a:t>Github</a:t>
+            </a:r>
+            <a:endParaRPr lang="fr-FR" dirty="0" smtClean="0"/>
+          </a:p>
+          <a:p>
+            <a:r>
+              <a:rPr lang="fr-FR" dirty="0" smtClean="0"/>
+              <a:t>Trello</a:t>
+            </a:r>
+          </a:p>
+          <a:p>
+            <a:r>
+              <a:rPr lang="fr-FR" dirty="0" smtClean="0"/>
+              <a:t>Agilité</a:t>
+            </a:r>
+          </a:p>
+          <a:p>
+            <a:r>
+              <a:rPr lang="fr-FR" dirty="0" smtClean="0"/>
+              <a:t>RDV avec M. Dadeau</a:t>
+            </a:r>
             <a:endParaRPr lang="fr-FR" dirty="0"/>
           </a:p>
         </p:txBody>
@@ -7809,25 +8164,6 @@
               <a:t>	Etude du projet</a:t>
             </a:r>
             <a:endParaRPr lang="fr-FR" dirty="0"/>
-          </a:p>
-        </p:txBody>
-      </p:sp>
-      <p:sp>
-        <p:nvSpPr>
-          <p:cNvPr id="5" name="Espace réservé du pied de page 4"/>
-          <p:cNvSpPr>
-            <a:spLocks noGrp="1"/>
-          </p:cNvSpPr>
-          <p:nvPr>
-            <p:ph type="ftr" sz="quarter" idx="11"/>
-          </p:nvPr>
-        </p:nvSpPr>
-        <p:spPr/>
-        <p:txBody>
-          <a:bodyPr/>
-          <a:lstStyle/>
-          <a:p>
-            <a:endParaRPr lang="fr-FR"/>
           </a:p>
         </p:txBody>
       </p:sp>
@@ -7855,6 +8191,36 @@
           </a:p>
         </p:txBody>
       </p:sp>
+      <p:pic>
+        <p:nvPicPr>
+          <p:cNvPr id="7" name="Image 6"/>
+          <p:cNvPicPr>
+            <a:picLocks noChangeAspect="1"/>
+          </p:cNvPicPr>
+          <p:nvPr/>
+        </p:nvPicPr>
+        <p:blipFill>
+          <a:blip r:embed="rId2">
+            <a:extLst>
+              <a:ext uri="{28A0092B-C50C-407E-A947-70E740481C1C}">
+                <a14:useLocalDpi xmlns:a14="http://schemas.microsoft.com/office/drawing/2010/main" val="0"/>
+              </a:ext>
+            </a:extLst>
+          </a:blip>
+          <a:stretch>
+            <a:fillRect/>
+          </a:stretch>
+        </p:blipFill>
+        <p:spPr>
+          <a:xfrm>
+            <a:off x="937116" y="3272621"/>
+            <a:ext cx="7138430" cy="1759113"/>
+          </a:xfrm>
+          <a:prstGeom prst="rect">
+            <a:avLst/>
+          </a:prstGeom>
+        </p:spPr>
+      </p:pic>
     </p:spTree>
     <p:extLst>
       <p:ext uri="{BB962C8B-B14F-4D97-AF65-F5344CB8AC3E}">
@@ -7920,25 +8286,35 @@
           </a:p>
         </p:txBody>
       </p:sp>
-      <p:sp>
-        <p:nvSpPr>
-          <p:cNvPr id="3" name="Espace réservé du contenu 2"/>
-          <p:cNvSpPr>
-            <a:spLocks noGrp="1"/>
-          </p:cNvSpPr>
+      <p:pic>
+        <p:nvPicPr>
+          <p:cNvPr id="7" name="Espace réservé du contenu 6"/>
+          <p:cNvPicPr>
+            <a:picLocks noGrp="1" noChangeAspect="1"/>
+          </p:cNvPicPr>
           <p:nvPr>
             <p:ph idx="1"/>
           </p:nvPr>
-        </p:nvSpPr>
-        <p:spPr/>
-        <p:txBody>
-          <a:bodyPr/>
-          <a:lstStyle/>
-          <a:p>
-            <a:endParaRPr lang="fr-FR" dirty="0"/>
-          </a:p>
-        </p:txBody>
-      </p:sp>
+        </p:nvPicPr>
+        <p:blipFill>
+          <a:blip r:embed="rId2">
+            <a:extLst>
+              <a:ext uri="{28A0092B-C50C-407E-A947-70E740481C1C}">
+                <a14:useLocalDpi xmlns:a14="http://schemas.microsoft.com/office/drawing/2010/main" val="0"/>
+              </a:ext>
+            </a:extLst>
+          </a:blip>
+          <a:stretch>
+            <a:fillRect/>
+          </a:stretch>
+        </p:blipFill>
+        <p:spPr>
+          <a:xfrm>
+            <a:off x="1930577" y="854171"/>
+            <a:ext cx="5282845" cy="4186936"/>
+          </a:xfrm>
+        </p:spPr>
+      </p:pic>
       <p:sp>
         <p:nvSpPr>
           <p:cNvPr id="4" name="Espace réservé du texte 3"/>
@@ -7966,25 +8342,6 @@
               <a:t>	Etude du projet</a:t>
             </a:r>
             <a:endParaRPr lang="fr-FR" dirty="0"/>
-          </a:p>
-        </p:txBody>
-      </p:sp>
-      <p:sp>
-        <p:nvSpPr>
-          <p:cNvPr id="5" name="Espace réservé du pied de page 4"/>
-          <p:cNvSpPr>
-            <a:spLocks noGrp="1"/>
-          </p:cNvSpPr>
-          <p:nvPr>
-            <p:ph type="ftr" sz="quarter" idx="11"/>
-          </p:nvPr>
-        </p:nvSpPr>
-        <p:spPr/>
-        <p:txBody>
-          <a:bodyPr/>
-          <a:lstStyle/>
-          <a:p>
-            <a:endParaRPr lang="fr-FR"/>
           </a:p>
         </p:txBody>
       </p:sp>

--- a/doc/SoutenanceSAR.pptx
+++ b/doc/SoutenanceSAR.pptx
@@ -5,10 +5,10 @@
     <p:sldMasterId id="2147483648" r:id="rId2"/>
   </p:sldMasterIdLst>
   <p:notesMasterIdLst>
-    <p:notesMasterId r:id="rId28"/>
+    <p:notesMasterId r:id="rId27"/>
   </p:notesMasterIdLst>
   <p:handoutMasterIdLst>
-    <p:handoutMasterId r:id="rId29"/>
+    <p:handoutMasterId r:id="rId28"/>
   </p:handoutMasterIdLst>
   <p:sldIdLst>
     <p:sldId id="256" r:id="rId3"/>
@@ -30,12 +30,11 @@
     <p:sldId id="270" r:id="rId19"/>
     <p:sldId id="271" r:id="rId20"/>
     <p:sldId id="272" r:id="rId21"/>
-    <p:sldId id="273" r:id="rId22"/>
-    <p:sldId id="274" r:id="rId23"/>
-    <p:sldId id="275" r:id="rId24"/>
-    <p:sldId id="276" r:id="rId25"/>
-    <p:sldId id="277" r:id="rId26"/>
-    <p:sldId id="267" r:id="rId27"/>
+    <p:sldId id="274" r:id="rId22"/>
+    <p:sldId id="275" r:id="rId23"/>
+    <p:sldId id="276" r:id="rId24"/>
+    <p:sldId id="277" r:id="rId25"/>
+    <p:sldId id="267" r:id="rId26"/>
   </p:sldIdLst>
   <p:sldSz cx="9144000" cy="5143500" type="screen16x9"/>
   <p:notesSz cx="6858000" cy="9144000"/>
@@ -162,7 +161,6 @@
             <p14:sldId id="270"/>
             <p14:sldId id="271"/>
             <p14:sldId id="272"/>
-            <p14:sldId id="273"/>
             <p14:sldId id="274"/>
             <p14:sldId id="275"/>
             <p14:sldId id="276"/>
@@ -271,7 +269,7 @@
           </a:lstStyle>
           <a:p>
             <a:fld id="{4B230A23-3E98-F64D-859B-DE462771A158}" type="datetimeFigureOut">
-              <a:t>10/03/2019</a:t>
+              <a:t>12/03/2019</a:t>
             </a:fld>
             <a:endParaRPr lang="fr-FR"/>
           </a:p>
@@ -435,7 +433,7 @@
           <a:p>
             <a:fld id="{DF859C20-09F8-4B34-AD60-B86CCC0D4919}" type="datetimeFigureOut">
               <a:rPr lang="fr-FR" smtClean="0"/>
-              <a:t>10/03/2019</a:t>
+              <a:t>12/03/2019</a:t>
             </a:fld>
             <a:endParaRPr lang="fr-FR"/>
           </a:p>
@@ -933,7 +931,7 @@
           <a:p>
             <a:fld id="{DB814944-9A0C-4A4F-8224-633B216C064B}" type="datetime1">
               <a:rPr lang="fr-FR" smtClean="0"/>
-              <a:t>10/03/2019</a:t>
+              <a:t>12/03/2019</a:t>
             </a:fld>
             <a:endParaRPr lang="fr-FR"/>
           </a:p>
@@ -1212,7 +1210,7 @@
           <a:p>
             <a:fld id="{06855381-3E5D-42CE-94CE-985369FA4EF2}" type="datetime1">
               <a:rPr lang="fr-FR" smtClean="0"/>
-              <a:t>10/03/2019</a:t>
+              <a:t>12/03/2019</a:t>
             </a:fld>
             <a:endParaRPr lang="fr-FR"/>
           </a:p>
@@ -1491,7 +1489,7 @@
           <a:p>
             <a:fld id="{86235C7F-35C9-44B7-B2D6-B8D23B631F77}" type="datetime1">
               <a:rPr lang="fr-FR" smtClean="0"/>
-              <a:t>10/03/2019</a:t>
+              <a:t>12/03/2019</a:t>
             </a:fld>
             <a:endParaRPr lang="fr-FR"/>
           </a:p>
@@ -1727,7 +1725,7 @@
           <a:p>
             <a:fld id="{CB40F084-078F-4659-8C9D-D4DB80EBD4D1}" type="datetime1">
               <a:rPr lang="fr-FR" smtClean="0"/>
-              <a:t>10/03/2019</a:t>
+              <a:t>12/03/2019</a:t>
             </a:fld>
             <a:endParaRPr lang="fr-FR"/>
           </a:p>
@@ -2108,7 +2106,7 @@
           <a:p>
             <a:fld id="{2451BDCA-02C3-4BD0-9CDB-A5355F1BBF72}" type="datetime1">
               <a:rPr lang="fr-FR" smtClean="0"/>
-              <a:t>10/03/2019</a:t>
+              <a:t>12/03/2019</a:t>
             </a:fld>
             <a:endParaRPr lang="fr-FR"/>
           </a:p>
@@ -2458,7 +2456,7 @@
           <a:p>
             <a:fld id="{40B8E571-E107-4FFF-AEA4-CECF12B5DEA2}" type="datetime1">
               <a:rPr lang="fr-FR" smtClean="0"/>
-              <a:t>10/03/2019</a:t>
+              <a:t>12/03/2019</a:t>
             </a:fld>
             <a:endParaRPr lang="fr-FR"/>
           </a:p>
@@ -2983,7 +2981,7 @@
           <a:p>
             <a:fld id="{3B1D16FB-6161-4AA6-879F-76BBDDEFE2E1}" type="datetime1">
               <a:rPr lang="fr-FR" smtClean="0"/>
-              <a:t>10/03/2019</a:t>
+              <a:t>12/03/2019</a:t>
             </a:fld>
             <a:endParaRPr lang="fr-FR"/>
           </a:p>
@@ -3266,7 +3264,7 @@
           <a:p>
             <a:fld id="{F48EF8C9-7B63-4403-86B0-D4EAC57A3D4E}" type="datetime1">
               <a:rPr lang="fr-FR" smtClean="0"/>
-              <a:t>10/03/2019</a:t>
+              <a:t>12/03/2019</a:t>
             </a:fld>
             <a:endParaRPr lang="fr-FR"/>
           </a:p>
@@ -3513,7 +3511,7 @@
           <a:p>
             <a:fld id="{CA826926-3651-4C48-BAB2-048AA737F3D7}" type="datetime1">
               <a:rPr lang="fr-FR" smtClean="0"/>
-              <a:t>10/03/2019</a:t>
+              <a:t>12/03/2019</a:t>
             </a:fld>
             <a:endParaRPr lang="fr-FR"/>
           </a:p>
@@ -3701,7 +3699,7 @@
           <a:p>
             <a:fld id="{D214A66C-ED25-464B-ADBE-6274FAE27BD1}" type="datetime1">
               <a:rPr lang="fr-FR" smtClean="0"/>
-              <a:t>10/03/2019</a:t>
+              <a:t>12/03/2019</a:t>
             </a:fld>
             <a:endParaRPr lang="fr-FR"/>
           </a:p>
@@ -4055,7 +4053,7 @@
           <a:p>
             <a:fld id="{D6E0A056-D9BB-4F61-9C33-10DAF840E696}" type="datetime1">
               <a:rPr lang="fr-FR" smtClean="0"/>
-              <a:t>10/03/2019</a:t>
+              <a:t>12/03/2019</a:t>
             </a:fld>
             <a:endParaRPr lang="fr-FR"/>
           </a:p>
@@ -4620,7 +4618,7 @@
           <a:p>
             <a:r>
               <a:rPr lang="fr-FR" sz="2400" dirty="0" smtClean="0"/>
-              <a:t>B : Problèmes rencontrés &amp;  		    solutions apportés</a:t>
+              <a:t>B : Problèmes rencontrés &amp;  		    solutions apportées</a:t>
             </a:r>
           </a:p>
         </p:txBody>
@@ -5290,7 +5288,6 @@
               <a:rPr lang="fr-FR" dirty="0" smtClean="0"/>
               <a:t>Image schéma code + calcul</a:t>
             </a:r>
-            <a:endParaRPr lang="fr-FR" dirty="0" smtClean="0"/>
           </a:p>
         </p:txBody>
       </p:sp>
@@ -5782,6 +5779,13 @@
   <p:clrMapOvr>
     <a:masterClrMapping/>
   </p:clrMapOvr>
+  <p:timing>
+    <p:tnLst>
+      <p:par>
+        <p:cTn id="1" dur="indefinite" restart="never" nodeType="tmRoot"/>
+      </p:par>
+    </p:tnLst>
+  </p:timing>
 </p:sld>
 </file>
 
@@ -6484,7 +6488,7 @@
         </p:nvSpPr>
         <p:spPr>
           <a:xfrm>
-            <a:off x="317421" y="358311"/>
+            <a:off x="320049" y="358311"/>
             <a:ext cx="1467142" cy="244053"/>
           </a:xfrm>
         </p:spPr>
@@ -6492,34 +6496,7 @@
           <a:bodyPr/>
           <a:lstStyle/>
           <a:p>
-            <a:endParaRPr lang="fr-FR" dirty="0"/>
-          </a:p>
-        </p:txBody>
-      </p:sp>
-      <p:sp>
-        <p:nvSpPr>
-          <p:cNvPr id="3" name="Espace réservé du contenu 2"/>
-          <p:cNvSpPr>
-            <a:spLocks noGrp="1"/>
-          </p:cNvSpPr>
-          <p:nvPr>
-            <p:ph idx="1"/>
-          </p:nvPr>
-        </p:nvSpPr>
-        <p:spPr/>
-        <p:txBody>
-          <a:bodyPr/>
-          <a:lstStyle/>
-          <a:p>
-            <a:r>
-              <a:rPr lang="fr-FR" dirty="0" smtClean="0"/>
-              <a:t>Explication </a:t>
-            </a:r>
-            <a:r>
-              <a:rPr lang="fr-FR" dirty="0" err="1" smtClean="0"/>
-              <a:t>resultat</a:t>
-            </a:r>
-            <a:endParaRPr lang="fr-FR" dirty="0"/>
+            <a:endParaRPr lang="fr-FR"/>
           </a:p>
         </p:txBody>
       </p:sp>
@@ -6578,7 +6555,7 @@
         </p:nvSpPr>
         <p:spPr>
           <a:xfrm>
-            <a:off x="317421" y="85490"/>
+            <a:off x="320049" y="85490"/>
             <a:ext cx="3557405" cy="272821"/>
           </a:xfrm>
         </p:spPr>
@@ -6591,13 +6568,32 @@
               <a:t>Résultats &amp; états du projet</a:t>
             </a:r>
             <a:endParaRPr lang="fr-FR" dirty="0"/>
+          </a:p>
+        </p:txBody>
+      </p:sp>
+      <p:sp>
+        <p:nvSpPr>
+          <p:cNvPr id="3" name="Espace réservé du contenu 2"/>
+          <p:cNvSpPr>
+            <a:spLocks noGrp="1"/>
+          </p:cNvSpPr>
+          <p:nvPr>
+            <p:ph idx="1"/>
+          </p:nvPr>
+        </p:nvSpPr>
+        <p:spPr/>
+        <p:txBody>
+          <a:bodyPr/>
+          <a:lstStyle/>
+          <a:p>
+            <a:endParaRPr lang="fr-FR"/>
           </a:p>
         </p:txBody>
       </p:sp>
     </p:spTree>
     <p:extLst>
       <p:ext uri="{BB962C8B-B14F-4D97-AF65-F5344CB8AC3E}">
-        <p14:creationId xmlns:p14="http://schemas.microsoft.com/office/powerpoint/2010/main" val="624227512"/>
+        <p14:creationId xmlns:p14="http://schemas.microsoft.com/office/powerpoint/2010/main" val="2913447844"/>
       </p:ext>
     </p:extLst>
   </p:cSld>
@@ -6633,7 +6629,7 @@
       </p:grpSpPr>
       <p:sp>
         <p:nvSpPr>
-          <p:cNvPr id="2" name="Titre 1"/>
+          <p:cNvPr id="7" name="Titre 6"/>
           <p:cNvSpPr>
             <a:spLocks noGrp="1"/>
           </p:cNvSpPr>
@@ -6641,59 +6637,16 @@
             <p:ph type="title"/>
           </p:nvPr>
         </p:nvSpPr>
-        <p:spPr>
-          <a:xfrm>
-            <a:off x="320049" y="358311"/>
-            <a:ext cx="1467142" cy="244053"/>
-          </a:xfrm>
-        </p:spPr>
-        <p:txBody>
-          <a:bodyPr/>
-          <a:lstStyle/>
-          <a:p>
-            <a:endParaRPr lang="fr-FR"/>
-          </a:p>
-        </p:txBody>
-      </p:sp>
-      <p:sp>
-        <p:nvSpPr>
-          <p:cNvPr id="3" name="Espace réservé du contenu 2"/>
-          <p:cNvSpPr>
-            <a:spLocks noGrp="1"/>
-          </p:cNvSpPr>
-          <p:nvPr>
-            <p:ph idx="1"/>
-          </p:nvPr>
-        </p:nvSpPr>
         <p:spPr/>
         <p:txBody>
           <a:bodyPr/>
           <a:lstStyle/>
           <a:p>
             <a:r>
-              <a:rPr lang="fr-FR" smtClean="0"/>
-              <a:t>Démo avec vidéo</a:t>
-            </a:r>
-            <a:endParaRPr lang="fr-FR"/>
-          </a:p>
-        </p:txBody>
-      </p:sp>
-      <p:sp>
-        <p:nvSpPr>
-          <p:cNvPr id="4" name="Espace réservé du pied de page 3"/>
-          <p:cNvSpPr>
-            <a:spLocks noGrp="1"/>
-          </p:cNvSpPr>
-          <p:nvPr>
-            <p:ph type="ftr" sz="quarter" idx="11"/>
-          </p:nvPr>
-        </p:nvSpPr>
-        <p:spPr/>
-        <p:txBody>
-          <a:bodyPr/>
-          <a:lstStyle/>
-          <a:p>
-            <a:endParaRPr lang="fr-FR"/>
+              <a:rPr lang="fr-FR" dirty="0" smtClean="0"/>
+              <a:t>Conclusion &amp; perspectives</a:t>
+            </a:r>
+            <a:endParaRPr lang="fr-FR" dirty="0"/>
           </a:p>
         </p:txBody>
       </p:sp>
@@ -6723,36 +6676,27 @@
       </p:sp>
       <p:sp>
         <p:nvSpPr>
-          <p:cNvPr id="6" name="Espace réservé du texte 5"/>
-          <p:cNvSpPr>
-            <a:spLocks noGrp="1"/>
-          </p:cNvSpPr>
-          <p:nvPr>
-            <p:ph type="body" sz="quarter" idx="13"/>
-          </p:nvPr>
-        </p:nvSpPr>
-        <p:spPr>
-          <a:xfrm>
-            <a:off x="320049" y="85490"/>
-            <a:ext cx="3557405" cy="272821"/>
-          </a:xfrm>
-        </p:spPr>
-        <p:txBody>
-          <a:bodyPr/>
-          <a:lstStyle/>
-          <a:p>
-            <a:r>
-              <a:rPr lang="fr-FR" dirty="0" smtClean="0"/>
-              <a:t>Résultats &amp; états du projet</a:t>
-            </a:r>
-            <a:endParaRPr lang="fr-FR" dirty="0"/>
+          <p:cNvPr id="8" name="Sous-titre 7"/>
+          <p:cNvSpPr>
+            <a:spLocks noGrp="1"/>
+          </p:cNvSpPr>
+          <p:nvPr>
+            <p:ph type="subTitle" idx="13"/>
+          </p:nvPr>
+        </p:nvSpPr>
+        <p:spPr/>
+        <p:txBody>
+          <a:bodyPr/>
+          <a:lstStyle/>
+          <a:p>
+            <a:endParaRPr lang="fr-FR"/>
           </a:p>
         </p:txBody>
       </p:sp>
     </p:spTree>
     <p:extLst>
       <p:ext uri="{BB962C8B-B14F-4D97-AF65-F5344CB8AC3E}">
-        <p14:creationId xmlns:p14="http://schemas.microsoft.com/office/powerpoint/2010/main" val="2913447844"/>
+        <p14:creationId xmlns:p14="http://schemas.microsoft.com/office/powerpoint/2010/main" val="3967661714"/>
       </p:ext>
     </p:extLst>
   </p:cSld>
@@ -6788,7 +6732,7 @@
       </p:grpSpPr>
       <p:sp>
         <p:nvSpPr>
-          <p:cNvPr id="7" name="Titre 6"/>
+          <p:cNvPr id="2" name="Titre 1"/>
           <p:cNvSpPr>
             <a:spLocks noGrp="1"/>
           </p:cNvSpPr>
@@ -6796,6 +6740,30 @@
             <p:ph type="title"/>
           </p:nvPr>
         </p:nvSpPr>
+        <p:spPr>
+          <a:xfrm>
+            <a:off x="317421" y="371670"/>
+            <a:ext cx="1467142" cy="244053"/>
+          </a:xfrm>
+        </p:spPr>
+        <p:txBody>
+          <a:bodyPr/>
+          <a:lstStyle/>
+          <a:p>
+            <a:endParaRPr lang="fr-FR"/>
+          </a:p>
+        </p:txBody>
+      </p:sp>
+      <p:sp>
+        <p:nvSpPr>
+          <p:cNvPr id="3" name="Espace réservé du contenu 2"/>
+          <p:cNvSpPr>
+            <a:spLocks noGrp="1"/>
+          </p:cNvSpPr>
+          <p:nvPr>
+            <p:ph idx="1"/>
+          </p:nvPr>
+        </p:nvSpPr>
         <p:spPr/>
         <p:txBody>
           <a:bodyPr/>
@@ -6803,9 +6771,33 @@
           <a:p>
             <a:r>
               <a:rPr lang="fr-FR" dirty="0" smtClean="0"/>
-              <a:t>Conclusion &amp; perspectives</a:t>
-            </a:r>
-            <a:endParaRPr lang="fr-FR" dirty="0"/>
+              <a:t>Apprentissage de l’agilité</a:t>
+            </a:r>
+          </a:p>
+          <a:p>
+            <a:r>
+              <a:rPr lang="fr-FR" dirty="0" smtClean="0"/>
+              <a:t>Apprentissage du travail de groupe</a:t>
+            </a:r>
+          </a:p>
+        </p:txBody>
+      </p:sp>
+      <p:sp>
+        <p:nvSpPr>
+          <p:cNvPr id="4" name="Espace réservé du pied de page 3"/>
+          <p:cNvSpPr>
+            <a:spLocks noGrp="1"/>
+          </p:cNvSpPr>
+          <p:nvPr>
+            <p:ph type="ftr" sz="quarter" idx="11"/>
+          </p:nvPr>
+        </p:nvSpPr>
+        <p:spPr/>
+        <p:txBody>
+          <a:bodyPr/>
+          <a:lstStyle/>
+          <a:p>
+            <a:endParaRPr lang="fr-FR"/>
           </a:p>
         </p:txBody>
       </p:sp>
@@ -6835,27 +6827,36 @@
       </p:sp>
       <p:sp>
         <p:nvSpPr>
-          <p:cNvPr id="8" name="Sous-titre 7"/>
-          <p:cNvSpPr>
-            <a:spLocks noGrp="1"/>
-          </p:cNvSpPr>
-          <p:nvPr>
-            <p:ph type="subTitle" idx="13"/>
-          </p:nvPr>
-        </p:nvSpPr>
-        <p:spPr/>
-        <p:txBody>
-          <a:bodyPr/>
-          <a:lstStyle/>
-          <a:p>
-            <a:endParaRPr lang="fr-FR"/>
+          <p:cNvPr id="6" name="Espace réservé du texte 5"/>
+          <p:cNvSpPr>
+            <a:spLocks noGrp="1"/>
+          </p:cNvSpPr>
+          <p:nvPr>
+            <p:ph type="body" sz="quarter" idx="13"/>
+          </p:nvPr>
+        </p:nvSpPr>
+        <p:spPr>
+          <a:xfrm>
+            <a:off x="317421" y="85490"/>
+            <a:ext cx="3557405" cy="272821"/>
+          </a:xfrm>
+        </p:spPr>
+        <p:txBody>
+          <a:bodyPr/>
+          <a:lstStyle/>
+          <a:p>
+            <a:r>
+              <a:rPr lang="fr-FR" dirty="0" smtClean="0"/>
+              <a:t>Conclusion &amp; perspectives</a:t>
+            </a:r>
+            <a:endParaRPr lang="fr-FR" dirty="0"/>
           </a:p>
         </p:txBody>
       </p:sp>
     </p:spTree>
     <p:extLst>
       <p:ext uri="{BB962C8B-B14F-4D97-AF65-F5344CB8AC3E}">
-        <p14:creationId xmlns:p14="http://schemas.microsoft.com/office/powerpoint/2010/main" val="3967661714"/>
+        <p14:creationId xmlns:p14="http://schemas.microsoft.com/office/powerpoint/2010/main" val="3534471885"/>
       </p:ext>
     </p:extLst>
   </p:cSld>
@@ -6901,7 +6902,7 @@
         </p:nvSpPr>
         <p:spPr>
           <a:xfrm>
-            <a:off x="317421" y="371670"/>
+            <a:off x="309039" y="361679"/>
             <a:ext cx="1467142" cy="244053"/>
           </a:xfrm>
         </p:spPr>
@@ -6909,7 +6910,11 @@
           <a:bodyPr/>
           <a:lstStyle/>
           <a:p>
-            <a:endParaRPr lang="fr-FR"/>
+            <a:r>
+              <a:rPr lang="fr-FR" dirty="0" smtClean="0"/>
+              <a:t>Aller plus loin</a:t>
+            </a:r>
+            <a:endParaRPr lang="fr-FR" dirty="0"/>
           </a:p>
         </p:txBody>
       </p:sp>
@@ -6930,7 +6935,19 @@
           <a:p>
             <a:r>
               <a:rPr lang="fr-FR" dirty="0" smtClean="0"/>
-              <a:t>+ bilan perso</a:t>
+              <a:t>Ajouter une application mobile</a:t>
+            </a:r>
+          </a:p>
+          <a:p>
+            <a:r>
+              <a:rPr lang="fr-FR" dirty="0" smtClean="0"/>
+              <a:t>Amélioration du CSS</a:t>
+            </a:r>
+          </a:p>
+          <a:p>
+            <a:r>
+              <a:rPr lang="fr-FR" dirty="0" smtClean="0"/>
+              <a:t>Amélioration de l’analyseur syntaxique</a:t>
             </a:r>
             <a:endParaRPr lang="fr-FR" dirty="0"/>
           </a:p>
@@ -6991,7 +7008,7 @@
         </p:nvSpPr>
         <p:spPr>
           <a:xfrm>
-            <a:off x="317421" y="85490"/>
+            <a:off x="309039" y="84347"/>
             <a:ext cx="3557405" cy="272821"/>
           </a:xfrm>
         </p:spPr>
@@ -7010,7 +7027,7 @@
     </p:spTree>
     <p:extLst>
       <p:ext uri="{BB962C8B-B14F-4D97-AF65-F5344CB8AC3E}">
-        <p14:creationId xmlns:p14="http://schemas.microsoft.com/office/powerpoint/2010/main" val="3534471885"/>
+        <p14:creationId xmlns:p14="http://schemas.microsoft.com/office/powerpoint/2010/main" val="2249449088"/>
       </p:ext>
     </p:extLst>
   </p:cSld>
@@ -7046,88 +7063,6 @@
       </p:grpSpPr>
       <p:sp>
         <p:nvSpPr>
-          <p:cNvPr id="2" name="Titre 1"/>
-          <p:cNvSpPr>
-            <a:spLocks noGrp="1"/>
-          </p:cNvSpPr>
-          <p:nvPr>
-            <p:ph type="title"/>
-          </p:nvPr>
-        </p:nvSpPr>
-        <p:spPr>
-          <a:xfrm>
-            <a:off x="309039" y="361679"/>
-            <a:ext cx="1467142" cy="244053"/>
-          </a:xfrm>
-        </p:spPr>
-        <p:txBody>
-          <a:bodyPr/>
-          <a:lstStyle/>
-          <a:p>
-            <a:r>
-              <a:rPr lang="fr-FR" dirty="0" smtClean="0"/>
-              <a:t>Aller plus loin</a:t>
-            </a:r>
-            <a:endParaRPr lang="fr-FR" dirty="0"/>
-          </a:p>
-        </p:txBody>
-      </p:sp>
-      <p:sp>
-        <p:nvSpPr>
-          <p:cNvPr id="3" name="Espace réservé du contenu 2"/>
-          <p:cNvSpPr>
-            <a:spLocks noGrp="1"/>
-          </p:cNvSpPr>
-          <p:nvPr>
-            <p:ph idx="1"/>
-          </p:nvPr>
-        </p:nvSpPr>
-        <p:spPr/>
-        <p:txBody>
-          <a:bodyPr/>
-          <a:lstStyle/>
-          <a:p>
-            <a:r>
-              <a:rPr lang="fr-FR" dirty="0" smtClean="0"/>
-              <a:t>Ajouter une application mobile</a:t>
-            </a:r>
-          </a:p>
-          <a:p>
-            <a:r>
-              <a:rPr lang="fr-FR" dirty="0" smtClean="0"/>
-              <a:t>Amélioration du CSS</a:t>
-            </a:r>
-          </a:p>
-          <a:p>
-            <a:r>
-              <a:rPr lang="fr-FR" dirty="0" smtClean="0"/>
-              <a:t>Amélioration de l’analyseur syntaxique</a:t>
-            </a:r>
-            <a:endParaRPr lang="fr-FR" dirty="0"/>
-          </a:p>
-        </p:txBody>
-      </p:sp>
-      <p:sp>
-        <p:nvSpPr>
-          <p:cNvPr id="4" name="Espace réservé du pied de page 3"/>
-          <p:cNvSpPr>
-            <a:spLocks noGrp="1"/>
-          </p:cNvSpPr>
-          <p:nvPr>
-            <p:ph type="ftr" sz="quarter" idx="11"/>
-          </p:nvPr>
-        </p:nvSpPr>
-        <p:spPr/>
-        <p:txBody>
-          <a:bodyPr/>
-          <a:lstStyle/>
-          <a:p>
-            <a:endParaRPr lang="fr-FR"/>
-          </a:p>
-        </p:txBody>
-      </p:sp>
-      <p:sp>
-        <p:nvSpPr>
           <p:cNvPr id="5" name="Espace réservé du numéro de diapositive 4"/>
           <p:cNvSpPr>
             <a:spLocks noGrp="1"/>
@@ -7145,95 +7080,6 @@
               <a:rPr lang="fr-FR" smtClean="0"/>
               <a:pPr/>
               <a:t>24</a:t>
-            </a:fld>
-            <a:endParaRPr lang="fr-FR"/>
-          </a:p>
-        </p:txBody>
-      </p:sp>
-      <p:sp>
-        <p:nvSpPr>
-          <p:cNvPr id="6" name="Espace réservé du texte 5"/>
-          <p:cNvSpPr>
-            <a:spLocks noGrp="1"/>
-          </p:cNvSpPr>
-          <p:nvPr>
-            <p:ph type="body" sz="quarter" idx="13"/>
-          </p:nvPr>
-        </p:nvSpPr>
-        <p:spPr>
-          <a:xfrm>
-            <a:off x="309039" y="84347"/>
-            <a:ext cx="3557405" cy="272821"/>
-          </a:xfrm>
-        </p:spPr>
-        <p:txBody>
-          <a:bodyPr/>
-          <a:lstStyle/>
-          <a:p>
-            <a:r>
-              <a:rPr lang="fr-FR" dirty="0" smtClean="0"/>
-              <a:t>Conclusion &amp; perspectives</a:t>
-            </a:r>
-            <a:endParaRPr lang="fr-FR" dirty="0"/>
-          </a:p>
-        </p:txBody>
-      </p:sp>
-    </p:spTree>
-    <p:extLst>
-      <p:ext uri="{BB962C8B-B14F-4D97-AF65-F5344CB8AC3E}">
-        <p14:creationId xmlns:p14="http://schemas.microsoft.com/office/powerpoint/2010/main" val="2249449088"/>
-      </p:ext>
-    </p:extLst>
-  </p:cSld>
-  <p:clrMapOvr>
-    <a:masterClrMapping/>
-  </p:clrMapOvr>
-  <p:timing>
-    <p:tnLst>
-      <p:par>
-        <p:cTn id="1" dur="indefinite" restart="never" nodeType="tmRoot"/>
-      </p:par>
-    </p:tnLst>
-  </p:timing>
-</p:sld>
-</file>
-
-<file path=ppt/slides/slide25.xml><?xml version="1.0" encoding="utf-8"?>
-<p:sld xmlns:a="http://schemas.openxmlformats.org/drawingml/2006/main" xmlns:r="http://schemas.openxmlformats.org/officeDocument/2006/relationships" xmlns:p="http://schemas.openxmlformats.org/presentationml/2006/main">
-  <p:cSld>
-    <p:spTree>
-      <p:nvGrpSpPr>
-        <p:cNvPr id="1" name=""/>
-        <p:cNvGrpSpPr/>
-        <p:nvPr/>
-      </p:nvGrpSpPr>
-      <p:grpSpPr>
-        <a:xfrm>
-          <a:off x="0" y="0"/>
-          <a:ext cx="0" cy="0"/>
-          <a:chOff x="0" y="0"/>
-          <a:chExt cx="0" cy="0"/>
-        </a:xfrm>
-      </p:grpSpPr>
-      <p:sp>
-        <p:nvSpPr>
-          <p:cNvPr id="5" name="Espace réservé du numéro de diapositive 4"/>
-          <p:cNvSpPr>
-            <a:spLocks noGrp="1"/>
-          </p:cNvSpPr>
-          <p:nvPr>
-            <p:ph type="sldNum" sz="quarter" idx="12"/>
-          </p:nvPr>
-        </p:nvSpPr>
-        <p:spPr/>
-        <p:txBody>
-          <a:bodyPr/>
-          <a:lstStyle/>
-          <a:p>
-            <a:fld id="{604F9983-238B-5A48-87F7-46742A2BA19E}" type="slidenum">
-              <a:rPr lang="fr-FR" smtClean="0"/>
-              <a:pPr/>
-              <a:t>25</a:t>
             </a:fld>
             <a:endParaRPr lang="fr-FR"/>
           </a:p>
@@ -7344,7 +7190,7 @@
           <a:p>
             <a:r>
               <a:rPr lang="fr-FR" dirty="0" smtClean="0"/>
-              <a:t>1 : présentation de l’algèbre relationnelle</a:t>
+              <a:t>1 : Présentation de l’algèbre relationnelle</a:t>
             </a:r>
           </a:p>
           <a:p>
@@ -7368,13 +7214,8 @@
           <a:p>
             <a:r>
               <a:rPr lang="fr-FR" dirty="0" smtClean="0"/>
-              <a:t>5 : Conclusion &amp; </a:t>
-            </a:r>
-            <a:r>
-              <a:rPr lang="fr-FR" dirty="0" err="1" smtClean="0"/>
-              <a:t>persepective</a:t>
-            </a:r>
-            <a:endParaRPr lang="fr-FR" dirty="0" smtClean="0"/>
+              <a:t>5 : Conclusion &amp; perspective</a:t>
+            </a:r>
           </a:p>
         </p:txBody>
       </p:sp>
@@ -7847,7 +7688,7 @@
           <a:p>
             <a:r>
               <a:rPr lang="fr-FR" dirty="0" smtClean="0"/>
-              <a:t>A : contraintes &amp; cahier des charges</a:t>
+              <a:t>A : Contraintes &amp; cahier des charges</a:t>
             </a:r>
           </a:p>
           <a:p>
@@ -7859,7 +7700,7 @@
           <a:p>
             <a:r>
               <a:rPr lang="fr-FR" dirty="0" smtClean="0"/>
-              <a:t>C : Modèle de donnée</a:t>
+              <a:t>C : Modèle de données</a:t>
             </a:r>
             <a:endParaRPr lang="fr-FR" dirty="0"/>
           </a:p>
@@ -7952,7 +7793,7 @@
           <a:p>
             <a:r>
               <a:rPr lang="fr-FR" dirty="0" smtClean="0"/>
-              <a:t>Application web simple &amp; fonctionnel</a:t>
+              <a:t>Application web simple &amp; fonctionnelle</a:t>
             </a:r>
           </a:p>
           <a:p>
@@ -7970,7 +7811,7 @@
           <a:p>
             <a:r>
               <a:rPr lang="fr-FR" dirty="0" smtClean="0"/>
-              <a:t>Sauvegarder ces modèles</a:t>
+              <a:t>Sauvegarder ses modèles</a:t>
             </a:r>
             <a:endParaRPr lang="fr-FR" dirty="0"/>
           </a:p>
@@ -8111,29 +7952,21 @@
           <a:lstStyle/>
           <a:p>
             <a:r>
-              <a:rPr lang="fr-FR" dirty="0" err="1" smtClean="0"/>
+              <a:rPr lang="fr-FR" dirty="0" smtClean="0"/>
+              <a:t>Méthode agile</a:t>
+            </a:r>
+          </a:p>
+          <a:p>
+            <a:r>
+              <a:rPr lang="fr-FR" dirty="0" smtClean="0"/>
               <a:t>Github</a:t>
             </a:r>
-            <a:endParaRPr lang="fr-FR" dirty="0" smtClean="0"/>
           </a:p>
           <a:p>
             <a:r>
               <a:rPr lang="fr-FR" dirty="0" smtClean="0"/>
               <a:t>Trello</a:t>
             </a:r>
-          </a:p>
-          <a:p>
-            <a:r>
-              <a:rPr lang="fr-FR" dirty="0" smtClean="0"/>
-              <a:t>Agilité</a:t>
-            </a:r>
-          </a:p>
-          <a:p>
-            <a:r>
-              <a:rPr lang="fr-FR" dirty="0" smtClean="0"/>
-              <a:t>RDV avec M. Dadeau</a:t>
-            </a:r>
-            <a:endParaRPr lang="fr-FR" dirty="0"/>
           </a:p>
         </p:txBody>
       </p:sp>
@@ -8213,7 +8046,7 @@
         </p:blipFill>
         <p:spPr>
           <a:xfrm>
-            <a:off x="937116" y="3272621"/>
+            <a:off x="937116" y="3083435"/>
             <a:ext cx="7138430" cy="1759113"/>
           </a:xfrm>
           <a:prstGeom prst="rect">

--- a/doc/SoutenanceSAR.pptx
+++ b/doc/SoutenanceSAR.pptx
@@ -929,7 +929,7 @@
             </a:lvl1pPr>
           </a:lstStyle>
           <a:p>
-            <a:fld id="{DB814944-9A0C-4A4F-8224-633B216C064B}" type="datetime1">
+            <a:fld id="{A482B159-7989-4BB1-8766-93DA17261DEE}" type="datetime1">
               <a:rPr lang="fr-FR" smtClean="0"/>
               <a:t>12/03/2019</a:t>
             </a:fld>
@@ -1208,7 +1208,7 @@
             </a:lvl1pPr>
           </a:lstStyle>
           <a:p>
-            <a:fld id="{06855381-3E5D-42CE-94CE-985369FA4EF2}" type="datetime1">
+            <a:fld id="{0039D545-3028-4619-B123-330C706CBE60}" type="datetime1">
               <a:rPr lang="fr-FR" smtClean="0"/>
               <a:t>12/03/2019</a:t>
             </a:fld>
@@ -1487,7 +1487,7 @@
             </a:lvl1pPr>
           </a:lstStyle>
           <a:p>
-            <a:fld id="{86235C7F-35C9-44B7-B2D6-B8D23B631F77}" type="datetime1">
+            <a:fld id="{9504D643-5C28-4068-804A-581A9B21913F}" type="datetime1">
               <a:rPr lang="fr-FR" smtClean="0"/>
               <a:t>12/03/2019</a:t>
             </a:fld>
@@ -1723,7 +1723,7 @@
             </a:lvl1pPr>
           </a:lstStyle>
           <a:p>
-            <a:fld id="{CB40F084-078F-4659-8C9D-D4DB80EBD4D1}" type="datetime1">
+            <a:fld id="{A3CADC18-9946-42A2-83F1-5F61A3C176E0}" type="datetime1">
               <a:rPr lang="fr-FR" smtClean="0"/>
               <a:t>12/03/2019</a:t>
             </a:fld>
@@ -2104,7 +2104,7 @@
             </a:lvl1pPr>
           </a:lstStyle>
           <a:p>
-            <a:fld id="{2451BDCA-02C3-4BD0-9CDB-A5355F1BBF72}" type="datetime1">
+            <a:fld id="{D9EDB7AC-28AB-49D7-9CE2-AC0BE5F439B5}" type="datetime1">
               <a:rPr lang="fr-FR" smtClean="0"/>
               <a:t>12/03/2019</a:t>
             </a:fld>
@@ -2454,7 +2454,7 @@
             </a:lvl1pPr>
           </a:lstStyle>
           <a:p>
-            <a:fld id="{40B8E571-E107-4FFF-AEA4-CECF12B5DEA2}" type="datetime1">
+            <a:fld id="{F2C3AC65-79F1-4250-A586-35AB5E152C8F}" type="datetime1">
               <a:rPr lang="fr-FR" smtClean="0"/>
               <a:t>12/03/2019</a:t>
             </a:fld>
@@ -2979,7 +2979,7 @@
             </a:lvl1pPr>
           </a:lstStyle>
           <a:p>
-            <a:fld id="{3B1D16FB-6161-4AA6-879F-76BBDDEFE2E1}" type="datetime1">
+            <a:fld id="{54FEC2F7-0B88-4F10-B4BE-8170AF028E34}" type="datetime1">
               <a:rPr lang="fr-FR" smtClean="0"/>
               <a:t>12/03/2019</a:t>
             </a:fld>
@@ -3262,7 +3262,7 @@
             </a:lvl1pPr>
           </a:lstStyle>
           <a:p>
-            <a:fld id="{F48EF8C9-7B63-4403-86B0-D4EAC57A3D4E}" type="datetime1">
+            <a:fld id="{4442FD4C-DF7A-4271-AE6B-FD8DBA441825}" type="datetime1">
               <a:rPr lang="fr-FR" smtClean="0"/>
               <a:t>12/03/2019</a:t>
             </a:fld>
@@ -3509,7 +3509,7 @@
             </a:lvl1pPr>
           </a:lstStyle>
           <a:p>
-            <a:fld id="{CA826926-3651-4C48-BAB2-048AA737F3D7}" type="datetime1">
+            <a:fld id="{95554FFA-0A4E-429F-8299-679735EA10A1}" type="datetime1">
               <a:rPr lang="fr-FR" smtClean="0"/>
               <a:t>12/03/2019</a:t>
             </a:fld>
@@ -3697,7 +3697,7 @@
             </a:lvl1pPr>
           </a:lstStyle>
           <a:p>
-            <a:fld id="{D214A66C-ED25-464B-ADBE-6274FAE27BD1}" type="datetime1">
+            <a:fld id="{89200FC1-CE0F-4D6F-BA1C-6379B6F69932}" type="datetime1">
               <a:rPr lang="fr-FR" smtClean="0"/>
               <a:t>12/03/2019</a:t>
             </a:fld>
@@ -4051,7 +4051,7 @@
             </a:lvl1pPr>
           </a:lstStyle>
           <a:p>
-            <a:fld id="{D6E0A056-D9BB-4F61-9C33-10DAF840E696}" type="datetime1">
+            <a:fld id="{97172F8E-87A6-46DC-91AE-5A826078AB7B}" type="datetime1">
               <a:rPr lang="fr-FR" smtClean="0"/>
               <a:t>12/03/2019</a:t>
             </a:fld>
@@ -4169,7 +4169,7 @@
       </p:par>
     </p:tnLst>
   </p:timing>
-  <p:hf hdr="0" dt="0"/>
+  <p:hf hdr="0" ftr="0" dt="0"/>
   <p:txStyles>
     <p:titleStyle>
       <a:lvl1pPr algn="ctr" defTabSz="457200" rtl="0" eaLnBrk="1" latinLnBrk="0" hangingPunct="1">
@@ -4582,11 +4582,19 @@
           <a:lstStyle/>
           <a:p>
             <a:fld id="{604F9983-238B-5A48-87F7-46742A2BA19E}" type="slidenum">
-              <a:rPr lang="fr-FR" smtClean="0"/>
+              <a:rPr lang="fr-FR" smtClean="0">
+                <a:solidFill>
+                  <a:schemeClr val="tx1"/>
+                </a:solidFill>
+              </a:rPr>
               <a:pPr/>
               <a:t>10</a:t>
             </a:fld>
-            <a:endParaRPr lang="fr-FR"/>
+            <a:endParaRPr lang="fr-FR" dirty="0">
+              <a:solidFill>
+                <a:schemeClr val="tx1"/>
+              </a:solidFill>
+            </a:endParaRPr>
           </a:p>
         </p:txBody>
       </p:sp>
@@ -4736,12 +4744,12 @@
       </p:sp>
       <p:sp>
         <p:nvSpPr>
-          <p:cNvPr id="4" name="Espace réservé du pied de page 3"/>
-          <p:cNvSpPr>
-            <a:spLocks noGrp="1"/>
-          </p:cNvSpPr>
-          <p:nvPr>
-            <p:ph type="ftr" sz="quarter" idx="11"/>
+          <p:cNvPr id="5" name="Espace réservé du numéro de diapositive 4"/>
+          <p:cNvSpPr>
+            <a:spLocks noGrp="1"/>
+          </p:cNvSpPr>
+          <p:nvPr>
+            <p:ph type="sldNum" sz="quarter" idx="12"/>
           </p:nvPr>
         </p:nvSpPr>
         <p:spPr/>
@@ -4749,31 +4757,20 @@
           <a:bodyPr/>
           <a:lstStyle/>
           <a:p>
-            <a:endParaRPr lang="fr-FR"/>
-          </a:p>
-        </p:txBody>
-      </p:sp>
-      <p:sp>
-        <p:nvSpPr>
-          <p:cNvPr id="5" name="Espace réservé du numéro de diapositive 4"/>
-          <p:cNvSpPr>
-            <a:spLocks noGrp="1"/>
-          </p:cNvSpPr>
-          <p:nvPr>
-            <p:ph type="sldNum" sz="quarter" idx="12"/>
-          </p:nvPr>
-        </p:nvSpPr>
-        <p:spPr/>
-        <p:txBody>
-          <a:bodyPr/>
-          <a:lstStyle/>
-          <a:p>
             <a:fld id="{604F9983-238B-5A48-87F7-46742A2BA19E}" type="slidenum">
-              <a:rPr lang="fr-FR" smtClean="0"/>
+              <a:rPr lang="fr-FR" smtClean="0">
+                <a:solidFill>
+                  <a:schemeClr val="tx1"/>
+                </a:solidFill>
+              </a:rPr>
               <a:pPr/>
               <a:t>11</a:t>
             </a:fld>
-            <a:endParaRPr lang="fr-FR"/>
+            <a:endParaRPr lang="fr-FR" dirty="0">
+              <a:solidFill>
+                <a:schemeClr val="tx1"/>
+              </a:solidFill>
+            </a:endParaRPr>
           </a:p>
         </p:txBody>
       </p:sp>
@@ -4914,11 +4911,19 @@
           <a:lstStyle/>
           <a:p>
             <a:fld id="{604F9983-238B-5A48-87F7-46742A2BA19E}" type="slidenum">
-              <a:rPr lang="fr-FR" smtClean="0"/>
+              <a:rPr lang="fr-FR" smtClean="0">
+                <a:solidFill>
+                  <a:schemeClr val="tx1"/>
+                </a:solidFill>
+              </a:rPr>
               <a:pPr/>
               <a:t>12</a:t>
             </a:fld>
-            <a:endParaRPr lang="fr-FR"/>
+            <a:endParaRPr lang="fr-FR" dirty="0">
+              <a:solidFill>
+                <a:schemeClr val="tx1"/>
+              </a:solidFill>
+            </a:endParaRPr>
           </a:p>
         </p:txBody>
       </p:sp>
@@ -5088,12 +5093,12 @@
       </p:sp>
       <p:sp>
         <p:nvSpPr>
-          <p:cNvPr id="7" name="Espace réservé du pied de page 6"/>
-          <p:cNvSpPr>
-            <a:spLocks noGrp="1"/>
-          </p:cNvSpPr>
-          <p:nvPr>
-            <p:ph type="ftr" sz="quarter" idx="11"/>
+          <p:cNvPr id="8" name="Espace réservé du numéro de diapositive 7"/>
+          <p:cNvSpPr>
+            <a:spLocks noGrp="1"/>
+          </p:cNvSpPr>
+          <p:nvPr>
+            <p:ph type="sldNum" sz="quarter" idx="12"/>
           </p:nvPr>
         </p:nvSpPr>
         <p:spPr/>
@@ -5101,31 +5106,20 @@
           <a:bodyPr/>
           <a:lstStyle/>
           <a:p>
-            <a:endParaRPr lang="fr-FR"/>
-          </a:p>
-        </p:txBody>
-      </p:sp>
-      <p:sp>
-        <p:nvSpPr>
-          <p:cNvPr id="8" name="Espace réservé du numéro de diapositive 7"/>
-          <p:cNvSpPr>
-            <a:spLocks noGrp="1"/>
-          </p:cNvSpPr>
-          <p:nvPr>
-            <p:ph type="sldNum" sz="quarter" idx="12"/>
-          </p:nvPr>
-        </p:nvSpPr>
-        <p:spPr/>
-        <p:txBody>
-          <a:bodyPr/>
-          <a:lstStyle/>
-          <a:p>
             <a:fld id="{604F9983-238B-5A48-87F7-46742A2BA19E}" type="slidenum">
-              <a:rPr lang="fr-FR" smtClean="0"/>
+              <a:rPr lang="fr-FR" smtClean="0">
+                <a:solidFill>
+                  <a:schemeClr val="tx1"/>
+                </a:solidFill>
+              </a:rPr>
               <a:pPr/>
               <a:t>13</a:t>
             </a:fld>
-            <a:endParaRPr lang="fr-FR"/>
+            <a:endParaRPr lang="fr-FR" dirty="0">
+              <a:solidFill>
+                <a:schemeClr val="tx1"/>
+              </a:solidFill>
+            </a:endParaRPr>
           </a:p>
         </p:txBody>
       </p:sp>
@@ -5231,111 +5225,6 @@
       </p:grpSpPr>
       <p:sp>
         <p:nvSpPr>
-          <p:cNvPr id="2" name="Titre 1"/>
-          <p:cNvSpPr>
-            <a:spLocks noGrp="1"/>
-          </p:cNvSpPr>
-          <p:nvPr>
-            <p:ph type="title"/>
-          </p:nvPr>
-        </p:nvSpPr>
-        <p:spPr>
-          <a:xfrm>
-            <a:off x="0" y="391934"/>
-            <a:ext cx="3588231" cy="244053"/>
-          </a:xfrm>
-        </p:spPr>
-        <p:txBody>
-          <a:bodyPr/>
-          <a:lstStyle/>
-          <a:p>
-            <a:r>
-              <a:rPr lang="fr-FR" dirty="0" smtClean="0"/>
-              <a:t>	Opérateurs de calculs complexes</a:t>
-            </a:r>
-            <a:endParaRPr lang="fr-FR" dirty="0"/>
-          </a:p>
-        </p:txBody>
-      </p:sp>
-      <p:sp>
-        <p:nvSpPr>
-          <p:cNvPr id="3" name="Espace réservé du contenu 2"/>
-          <p:cNvSpPr>
-            <a:spLocks noGrp="1"/>
-          </p:cNvSpPr>
-          <p:nvPr>
-            <p:ph idx="1"/>
-          </p:nvPr>
-        </p:nvSpPr>
-        <p:spPr/>
-        <p:txBody>
-          <a:bodyPr/>
-          <a:lstStyle/>
-          <a:p>
-            <a:r>
-              <a:rPr lang="fr-FR" dirty="0" smtClean="0"/>
-              <a:t>Jointure </a:t>
-            </a:r>
-          </a:p>
-          <a:p>
-            <a:r>
-              <a:rPr lang="fr-FR" dirty="0" smtClean="0"/>
-              <a:t>Division</a:t>
-            </a:r>
-          </a:p>
-          <a:p>
-            <a:r>
-              <a:rPr lang="fr-FR" dirty="0" smtClean="0"/>
-              <a:t>Image schéma code + calcul</a:t>
-            </a:r>
-          </a:p>
-        </p:txBody>
-      </p:sp>
-      <p:sp>
-        <p:nvSpPr>
-          <p:cNvPr id="4" name="Espace réservé du pied de page 3"/>
-          <p:cNvSpPr>
-            <a:spLocks noGrp="1"/>
-          </p:cNvSpPr>
-          <p:nvPr>
-            <p:ph type="ftr" sz="quarter" idx="11"/>
-          </p:nvPr>
-        </p:nvSpPr>
-        <p:spPr/>
-        <p:txBody>
-          <a:bodyPr/>
-          <a:lstStyle/>
-          <a:p>
-            <a:endParaRPr lang="fr-FR"/>
-          </a:p>
-        </p:txBody>
-      </p:sp>
-      <p:sp>
-        <p:nvSpPr>
-          <p:cNvPr id="5" name="Espace réservé du numéro de diapositive 4"/>
-          <p:cNvSpPr>
-            <a:spLocks noGrp="1"/>
-          </p:cNvSpPr>
-          <p:nvPr>
-            <p:ph type="sldNum" sz="quarter" idx="12"/>
-          </p:nvPr>
-        </p:nvSpPr>
-        <p:spPr/>
-        <p:txBody>
-          <a:bodyPr/>
-          <a:lstStyle/>
-          <a:p>
-            <a:fld id="{604F9983-238B-5A48-87F7-46742A2BA19E}" type="slidenum">
-              <a:rPr lang="fr-FR" smtClean="0"/>
-              <a:pPr/>
-              <a:t>14</a:t>
-            </a:fld>
-            <a:endParaRPr lang="fr-FR"/>
-          </a:p>
-        </p:txBody>
-      </p:sp>
-      <p:sp>
-        <p:nvSpPr>
           <p:cNvPr id="6" name="Espace réservé du texte 5"/>
           <p:cNvSpPr>
             <a:spLocks noGrp="1"/>
@@ -5346,8 +5235,8 @@
         </p:nvSpPr>
         <p:spPr>
           <a:xfrm>
-            <a:off x="0" y="123591"/>
-            <a:ext cx="3866443" cy="272821"/>
+            <a:off x="1" y="116388"/>
+            <a:ext cx="3874826" cy="272821"/>
           </a:xfrm>
         </p:spPr>
         <p:txBody>
@@ -5364,6 +5253,180 @@
               <a:rPr lang="fr-FR" dirty="0"/>
               <a:t>de l’application web</a:t>
             </a:r>
+          </a:p>
+        </p:txBody>
+      </p:sp>
+      <p:pic>
+        <p:nvPicPr>
+          <p:cNvPr id="12" name="Espace réservé du contenu 11"/>
+          <p:cNvPicPr>
+            <a:picLocks noGrp="1" noChangeAspect="1"/>
+          </p:cNvPicPr>
+          <p:nvPr>
+            <p:ph sz="half" idx="1"/>
+          </p:nvPr>
+        </p:nvPicPr>
+        <p:blipFill>
+          <a:blip r:embed="rId2">
+            <a:extLst>
+              <a:ext uri="{28A0092B-C50C-407E-A947-70E740481C1C}">
+                <a14:useLocalDpi xmlns:a14="http://schemas.microsoft.com/office/drawing/2010/main" val="0"/>
+              </a:ext>
+            </a:extLst>
+          </a:blip>
+          <a:stretch>
+            <a:fillRect/>
+          </a:stretch>
+        </p:blipFill>
+        <p:spPr>
+          <a:xfrm>
+            <a:off x="376117" y="2125547"/>
+            <a:ext cx="4159588" cy="1837445"/>
+          </a:xfrm>
+        </p:spPr>
+      </p:pic>
+      <p:pic>
+        <p:nvPicPr>
+          <p:cNvPr id="11" name="Espace réservé du contenu 10"/>
+          <p:cNvPicPr>
+            <a:picLocks noGrp="1" noChangeAspect="1"/>
+          </p:cNvPicPr>
+          <p:nvPr>
+            <p:ph sz="half" idx="2"/>
+          </p:nvPr>
+        </p:nvPicPr>
+        <p:blipFill>
+          <a:blip r:embed="rId3">
+            <a:extLst>
+              <a:ext uri="{28A0092B-C50C-407E-A947-70E740481C1C}">
+                <a14:useLocalDpi xmlns:a14="http://schemas.microsoft.com/office/drawing/2010/main" val="0"/>
+              </a:ext>
+            </a:extLst>
+          </a:blip>
+          <a:stretch>
+            <a:fillRect/>
+          </a:stretch>
+        </p:blipFill>
+        <p:spPr>
+          <a:xfrm>
+            <a:off x="5391150" y="2125548"/>
+            <a:ext cx="3295650" cy="1837445"/>
+          </a:xfrm>
+        </p:spPr>
+      </p:pic>
+      <p:sp>
+        <p:nvSpPr>
+          <p:cNvPr id="5" name="Espace réservé du numéro de diapositive 4"/>
+          <p:cNvSpPr>
+            <a:spLocks noGrp="1"/>
+          </p:cNvSpPr>
+          <p:nvPr>
+            <p:ph type="sldNum" sz="quarter" idx="12"/>
+          </p:nvPr>
+        </p:nvSpPr>
+        <p:spPr/>
+        <p:txBody>
+          <a:bodyPr/>
+          <a:lstStyle/>
+          <a:p>
+            <a:fld id="{604F9983-238B-5A48-87F7-46742A2BA19E}" type="slidenum">
+              <a:rPr lang="fr-FR" smtClean="0">
+                <a:solidFill>
+                  <a:schemeClr val="tx1"/>
+                </a:solidFill>
+              </a:rPr>
+              <a:pPr/>
+              <a:t>14</a:t>
+            </a:fld>
+            <a:endParaRPr lang="fr-FR" dirty="0">
+              <a:solidFill>
+                <a:schemeClr val="tx1"/>
+              </a:solidFill>
+            </a:endParaRPr>
+          </a:p>
+        </p:txBody>
+      </p:sp>
+      <p:sp>
+        <p:nvSpPr>
+          <p:cNvPr id="2" name="Titre 1"/>
+          <p:cNvSpPr>
+            <a:spLocks noGrp="1"/>
+          </p:cNvSpPr>
+          <p:nvPr>
+            <p:ph type="title"/>
+          </p:nvPr>
+        </p:nvSpPr>
+        <p:spPr>
+          <a:xfrm>
+            <a:off x="0" y="389209"/>
+            <a:ext cx="5076497" cy="229512"/>
+          </a:xfrm>
+        </p:spPr>
+        <p:txBody>
+          <a:bodyPr/>
+          <a:lstStyle/>
+          <a:p>
+            <a:r>
+              <a:rPr lang="fr-FR" dirty="0" smtClean="0"/>
+              <a:t>	Opérateurs de calculs complexes</a:t>
+            </a:r>
+            <a:endParaRPr lang="fr-FR" dirty="0"/>
+          </a:p>
+        </p:txBody>
+      </p:sp>
+      <p:sp>
+        <p:nvSpPr>
+          <p:cNvPr id="8" name="Espace réservé du texte 7"/>
+          <p:cNvSpPr>
+            <a:spLocks noGrp="1"/>
+          </p:cNvSpPr>
+          <p:nvPr>
+            <p:ph type="body" sz="quarter" idx="15"/>
+          </p:nvPr>
+        </p:nvSpPr>
+        <p:spPr>
+          <a:xfrm>
+            <a:off x="5391150" y="1127605"/>
+            <a:ext cx="3124904" cy="589563"/>
+          </a:xfrm>
+        </p:spPr>
+        <p:txBody>
+          <a:bodyPr/>
+          <a:lstStyle/>
+          <a:p>
+            <a:r>
+              <a:rPr lang="fr-FR" dirty="0" smtClean="0"/>
+              <a:t>Division</a:t>
+            </a:r>
+            <a:endParaRPr lang="fr-FR" dirty="0"/>
+          </a:p>
+        </p:txBody>
+      </p:sp>
+      <p:sp>
+        <p:nvSpPr>
+          <p:cNvPr id="9" name="Espace réservé du texte 8"/>
+          <p:cNvSpPr>
+            <a:spLocks noGrp="1"/>
+          </p:cNvSpPr>
+          <p:nvPr>
+            <p:ph type="body" sz="quarter" idx="16"/>
+          </p:nvPr>
+        </p:nvSpPr>
+        <p:spPr>
+          <a:xfrm>
+            <a:off x="376117" y="1127604"/>
+            <a:ext cx="3124904" cy="589563"/>
+          </a:xfrm>
+        </p:spPr>
+        <p:txBody>
+          <a:bodyPr/>
+          <a:lstStyle/>
+          <a:p>
+            <a:r>
+              <a:rPr lang="fr-FR" dirty="0" smtClean="0"/>
+              <a:t>Jointure</a:t>
+            </a:r>
+            <a:endParaRPr lang="fr-FR" dirty="0"/>
           </a:p>
         </p:txBody>
       </p:sp>
@@ -5482,12 +5545,12 @@
       </p:sp>
       <p:sp>
         <p:nvSpPr>
-          <p:cNvPr id="4" name="Espace réservé du pied de page 3"/>
-          <p:cNvSpPr>
-            <a:spLocks noGrp="1"/>
-          </p:cNvSpPr>
-          <p:nvPr>
-            <p:ph type="ftr" sz="quarter" idx="11"/>
+          <p:cNvPr id="5" name="Espace réservé du numéro de diapositive 4"/>
+          <p:cNvSpPr>
+            <a:spLocks noGrp="1"/>
+          </p:cNvSpPr>
+          <p:nvPr>
+            <p:ph type="sldNum" sz="quarter" idx="12"/>
           </p:nvPr>
         </p:nvSpPr>
         <p:spPr/>
@@ -5495,31 +5558,20 @@
           <a:bodyPr/>
           <a:lstStyle/>
           <a:p>
-            <a:endParaRPr lang="fr-FR"/>
-          </a:p>
-        </p:txBody>
-      </p:sp>
-      <p:sp>
-        <p:nvSpPr>
-          <p:cNvPr id="5" name="Espace réservé du numéro de diapositive 4"/>
-          <p:cNvSpPr>
-            <a:spLocks noGrp="1"/>
-          </p:cNvSpPr>
-          <p:nvPr>
-            <p:ph type="sldNum" sz="quarter" idx="12"/>
-          </p:nvPr>
-        </p:nvSpPr>
-        <p:spPr/>
-        <p:txBody>
-          <a:bodyPr/>
-          <a:lstStyle/>
-          <a:p>
             <a:fld id="{604F9983-238B-5A48-87F7-46742A2BA19E}" type="slidenum">
-              <a:rPr lang="fr-FR" smtClean="0"/>
+              <a:rPr lang="fr-FR" smtClean="0">
+                <a:solidFill>
+                  <a:schemeClr val="tx1"/>
+                </a:solidFill>
+              </a:rPr>
               <a:pPr/>
               <a:t>15</a:t>
             </a:fld>
-            <a:endParaRPr lang="fr-FR"/>
+            <a:endParaRPr lang="fr-FR" dirty="0">
+              <a:solidFill>
+                <a:schemeClr val="tx1"/>
+              </a:solidFill>
+            </a:endParaRPr>
           </a:p>
         </p:txBody>
       </p:sp>
@@ -5633,12 +5685,21 @@
             <p:ph type="title"/>
           </p:nvPr>
         </p:nvSpPr>
-        <p:spPr/>
+        <p:spPr>
+          <a:xfrm>
+            <a:off x="317420" y="358311"/>
+            <a:ext cx="3031175" cy="244053"/>
+          </a:xfrm>
+        </p:spPr>
         <p:txBody>
           <a:bodyPr/>
           <a:lstStyle/>
           <a:p>
-            <a:endParaRPr lang="fr-FR"/>
+            <a:r>
+              <a:rPr lang="fr-FR" dirty="0" smtClean="0"/>
+              <a:t>Convivialité &amp; design</a:t>
+            </a:r>
+            <a:endParaRPr lang="fr-FR" dirty="0"/>
           </a:p>
         </p:txBody>
       </p:sp>
@@ -5679,12 +5740,12 @@
       </p:sp>
       <p:sp>
         <p:nvSpPr>
-          <p:cNvPr id="4" name="Espace réservé du pied de page 3"/>
-          <p:cNvSpPr>
-            <a:spLocks noGrp="1"/>
-          </p:cNvSpPr>
-          <p:nvPr>
-            <p:ph type="ftr" sz="quarter" idx="11"/>
+          <p:cNvPr id="5" name="Espace réservé du numéro de diapositive 4"/>
+          <p:cNvSpPr>
+            <a:spLocks noGrp="1"/>
+          </p:cNvSpPr>
+          <p:nvPr>
+            <p:ph type="sldNum" sz="quarter" idx="12"/>
           </p:nvPr>
         </p:nvSpPr>
         <p:spPr/>
@@ -5692,31 +5753,20 @@
           <a:bodyPr/>
           <a:lstStyle/>
           <a:p>
-            <a:endParaRPr lang="fr-FR"/>
-          </a:p>
-        </p:txBody>
-      </p:sp>
-      <p:sp>
-        <p:nvSpPr>
-          <p:cNvPr id="5" name="Espace réservé du numéro de diapositive 4"/>
-          <p:cNvSpPr>
-            <a:spLocks noGrp="1"/>
-          </p:cNvSpPr>
-          <p:nvPr>
-            <p:ph type="sldNum" sz="quarter" idx="12"/>
-          </p:nvPr>
-        </p:nvSpPr>
-        <p:spPr/>
-        <p:txBody>
-          <a:bodyPr/>
-          <a:lstStyle/>
-          <a:p>
             <a:fld id="{604F9983-238B-5A48-87F7-46742A2BA19E}" type="slidenum">
-              <a:rPr lang="fr-FR" smtClean="0"/>
+              <a:rPr lang="fr-FR" smtClean="0">
+                <a:solidFill>
+                  <a:schemeClr val="tx1"/>
+                </a:solidFill>
+              </a:rPr>
               <a:pPr/>
               <a:t>16</a:t>
             </a:fld>
-            <a:endParaRPr lang="fr-FR"/>
+            <a:endParaRPr lang="fr-FR" dirty="0">
+              <a:solidFill>
+                <a:schemeClr val="tx1"/>
+              </a:solidFill>
+            </a:endParaRPr>
           </a:p>
         </p:txBody>
       </p:sp>
@@ -5730,12 +5780,21 @@
             <p:ph type="body" sz="quarter" idx="13"/>
           </p:nvPr>
         </p:nvSpPr>
-        <p:spPr/>
+        <p:spPr>
+          <a:xfrm>
+            <a:off x="317421" y="85490"/>
+            <a:ext cx="3557405" cy="272821"/>
+          </a:xfrm>
+        </p:spPr>
         <p:txBody>
           <a:bodyPr/>
           <a:lstStyle/>
           <a:p>
-            <a:endParaRPr lang="fr-FR"/>
+            <a:r>
+              <a:rPr lang="fr-FR" dirty="0" smtClean="0"/>
+              <a:t>Développement de l’application web</a:t>
+            </a:r>
+            <a:endParaRPr lang="fr-FR" dirty="0"/>
           </a:p>
         </p:txBody>
       </p:sp>
@@ -5851,29 +5910,28 @@
           <a:p>
             <a:r>
               <a:rPr lang="fr-FR" dirty="0" smtClean="0"/>
-              <a:t>Vérifications dans les fonctions de calculs</a:t>
-            </a:r>
-          </a:p>
-          <a:p>
+              <a:t>Vérifications </a:t>
+            </a:r>
+            <a:r>
+              <a:rPr lang="fr-FR" dirty="0" smtClean="0"/>
+              <a:t>manuels </a:t>
+            </a:r>
+            <a:r>
+              <a:rPr lang="fr-FR" dirty="0" smtClean="0"/>
+              <a:t>de nos opérateurs</a:t>
+            </a:r>
             <a:endParaRPr lang="fr-FR" dirty="0"/>
           </a:p>
-          <a:p>
-            <a:r>
-              <a:rPr lang="fr-FR" dirty="0" smtClean="0"/>
-              <a:t>Tests manuels de nos opérateurs</a:t>
-            </a:r>
-            <a:endParaRPr lang="fr-FR" dirty="0"/>
-          </a:p>
-        </p:txBody>
-      </p:sp>
-      <p:sp>
-        <p:nvSpPr>
-          <p:cNvPr id="4" name="Espace réservé du pied de page 3"/>
-          <p:cNvSpPr>
-            <a:spLocks noGrp="1"/>
-          </p:cNvSpPr>
-          <p:nvPr>
-            <p:ph type="ftr" sz="quarter" idx="11"/>
+        </p:txBody>
+      </p:sp>
+      <p:sp>
+        <p:nvSpPr>
+          <p:cNvPr id="5" name="Espace réservé du numéro de diapositive 4"/>
+          <p:cNvSpPr>
+            <a:spLocks noGrp="1"/>
+          </p:cNvSpPr>
+          <p:nvPr>
+            <p:ph type="sldNum" sz="quarter" idx="12"/>
           </p:nvPr>
         </p:nvSpPr>
         <p:spPr/>
@@ -5881,31 +5939,20 @@
           <a:bodyPr/>
           <a:lstStyle/>
           <a:p>
-            <a:endParaRPr lang="fr-FR"/>
-          </a:p>
-        </p:txBody>
-      </p:sp>
-      <p:sp>
-        <p:nvSpPr>
-          <p:cNvPr id="5" name="Espace réservé du numéro de diapositive 4"/>
-          <p:cNvSpPr>
-            <a:spLocks noGrp="1"/>
-          </p:cNvSpPr>
-          <p:nvPr>
-            <p:ph type="sldNum" sz="quarter" idx="12"/>
-          </p:nvPr>
-        </p:nvSpPr>
-        <p:spPr/>
-        <p:txBody>
-          <a:bodyPr/>
-          <a:lstStyle/>
-          <a:p>
             <a:fld id="{604F9983-238B-5A48-87F7-46742A2BA19E}" type="slidenum">
-              <a:rPr lang="fr-FR" smtClean="0"/>
+              <a:rPr lang="fr-FR" smtClean="0">
+                <a:solidFill>
+                  <a:schemeClr val="tx1"/>
+                </a:solidFill>
+              </a:rPr>
               <a:pPr/>
               <a:t>17</a:t>
             </a:fld>
-            <a:endParaRPr lang="fr-FR"/>
+            <a:endParaRPr lang="fr-FR" dirty="0">
+              <a:solidFill>
+                <a:schemeClr val="tx1"/>
+              </a:solidFill>
+            </a:endParaRPr>
           </a:p>
         </p:txBody>
       </p:sp>
@@ -6039,7 +6086,13 @@
           <a:p>
             <a:r>
               <a:rPr lang="fr-FR" dirty="0" smtClean="0"/>
-              <a:t>Modèle de données</a:t>
+              <a:t>Evolution du modèle de données</a:t>
+            </a:r>
+          </a:p>
+          <a:p>
+            <a:r>
+              <a:rPr lang="fr-FR" dirty="0" smtClean="0"/>
+              <a:t>Renommage des attributs portant le même nom après un calcul</a:t>
             </a:r>
             <a:endParaRPr lang="fr-FR" dirty="0"/>
           </a:p>
@@ -6047,12 +6100,12 @@
       </p:sp>
       <p:sp>
         <p:nvSpPr>
-          <p:cNvPr id="4" name="Espace réservé du pied de page 3"/>
-          <p:cNvSpPr>
-            <a:spLocks noGrp="1"/>
-          </p:cNvSpPr>
-          <p:nvPr>
-            <p:ph type="ftr" sz="quarter" idx="11"/>
+          <p:cNvPr id="5" name="Espace réservé du numéro de diapositive 4"/>
+          <p:cNvSpPr>
+            <a:spLocks noGrp="1"/>
+          </p:cNvSpPr>
+          <p:nvPr>
+            <p:ph type="sldNum" sz="quarter" idx="12"/>
           </p:nvPr>
         </p:nvSpPr>
         <p:spPr/>
@@ -6060,31 +6113,20 @@
           <a:bodyPr/>
           <a:lstStyle/>
           <a:p>
-            <a:endParaRPr lang="fr-FR"/>
-          </a:p>
-        </p:txBody>
-      </p:sp>
-      <p:sp>
-        <p:nvSpPr>
-          <p:cNvPr id="5" name="Espace réservé du numéro de diapositive 4"/>
-          <p:cNvSpPr>
-            <a:spLocks noGrp="1"/>
-          </p:cNvSpPr>
-          <p:nvPr>
-            <p:ph type="sldNum" sz="quarter" idx="12"/>
-          </p:nvPr>
-        </p:nvSpPr>
-        <p:spPr/>
-        <p:txBody>
-          <a:bodyPr/>
-          <a:lstStyle/>
-          <a:p>
             <a:fld id="{604F9983-238B-5A48-87F7-46742A2BA19E}" type="slidenum">
-              <a:rPr lang="fr-FR" smtClean="0"/>
+              <a:rPr lang="fr-FR" smtClean="0">
+                <a:solidFill>
+                  <a:schemeClr val="tx1"/>
+                </a:solidFill>
+              </a:rPr>
               <a:pPr/>
               <a:t>18</a:t>
             </a:fld>
-            <a:endParaRPr lang="fr-FR"/>
+            <a:endParaRPr lang="fr-FR" dirty="0">
+              <a:solidFill>
+                <a:schemeClr val="tx1"/>
+              </a:solidFill>
+            </a:endParaRPr>
           </a:p>
         </p:txBody>
       </p:sp>
@@ -6194,11 +6236,19 @@
           <a:lstStyle/>
           <a:p>
             <a:fld id="{604F9983-238B-5A48-87F7-46742A2BA19E}" type="slidenum">
-              <a:rPr lang="fr-FR" smtClean="0"/>
+              <a:rPr lang="fr-FR" smtClean="0">
+                <a:solidFill>
+                  <a:schemeClr val="tx1"/>
+                </a:solidFill>
+              </a:rPr>
               <a:pPr/>
               <a:t>19</a:t>
             </a:fld>
-            <a:endParaRPr lang="fr-FR"/>
+            <a:endParaRPr lang="fr-FR" dirty="0">
+              <a:solidFill>
+                <a:schemeClr val="tx1"/>
+              </a:solidFill>
+            </a:endParaRPr>
           </a:p>
         </p:txBody>
       </p:sp>
@@ -6274,11 +6324,19 @@
           <a:lstStyle/>
           <a:p>
             <a:fld id="{604F9983-238B-5A48-87F7-46742A2BA19E}" type="slidenum">
-              <a:rPr lang="fr-FR" smtClean="0"/>
+              <a:rPr lang="fr-FR" smtClean="0">
+                <a:solidFill>
+                  <a:schemeClr val="tx1"/>
+                </a:solidFill>
+              </a:rPr>
               <a:pPr/>
               <a:t>2</a:t>
             </a:fld>
-            <a:endParaRPr lang="fr-FR"/>
+            <a:endParaRPr lang="fr-FR" dirty="0">
+              <a:solidFill>
+                <a:schemeClr val="tx1"/>
+              </a:solidFill>
+            </a:endParaRPr>
           </a:p>
         </p:txBody>
       </p:sp>
@@ -6409,36 +6467,6 @@
           </a:p>
         </p:txBody>
       </p:sp>
-      <p:pic>
-        <p:nvPicPr>
-          <p:cNvPr id="10" name="Image 9"/>
-          <p:cNvPicPr>
-            <a:picLocks noChangeAspect="1"/>
-          </p:cNvPicPr>
-          <p:nvPr/>
-        </p:nvPicPr>
-        <p:blipFill>
-          <a:blip r:embed="rId2">
-            <a:extLst>
-              <a:ext uri="{28A0092B-C50C-407E-A947-70E740481C1C}">
-                <a14:useLocalDpi xmlns:a14="http://schemas.microsoft.com/office/drawing/2010/main" val="0"/>
-              </a:ext>
-            </a:extLst>
-          </a:blip>
-          <a:stretch>
-            <a:fillRect/>
-          </a:stretch>
-        </p:blipFill>
-        <p:spPr>
-          <a:xfrm>
-            <a:off x="6390947" y="0"/>
-            <a:ext cx="2857500" cy="781050"/>
-          </a:xfrm>
-          <a:prstGeom prst="rect">
-            <a:avLst/>
-          </a:prstGeom>
-        </p:spPr>
-      </p:pic>
     </p:spTree>
     <p:extLst>
       <p:ext uri="{BB962C8B-B14F-4D97-AF65-F5344CB8AC3E}">
@@ -6502,12 +6530,12 @@
       </p:sp>
       <p:sp>
         <p:nvSpPr>
-          <p:cNvPr id="4" name="Espace réservé du pied de page 3"/>
-          <p:cNvSpPr>
-            <a:spLocks noGrp="1"/>
-          </p:cNvSpPr>
-          <p:nvPr>
-            <p:ph type="ftr" sz="quarter" idx="11"/>
+          <p:cNvPr id="5" name="Espace réservé du numéro de diapositive 4"/>
+          <p:cNvSpPr>
+            <a:spLocks noGrp="1"/>
+          </p:cNvSpPr>
+          <p:nvPr>
+            <p:ph type="sldNum" sz="quarter" idx="12"/>
           </p:nvPr>
         </p:nvSpPr>
         <p:spPr/>
@@ -6515,31 +6543,20 @@
           <a:bodyPr/>
           <a:lstStyle/>
           <a:p>
-            <a:endParaRPr lang="fr-FR"/>
-          </a:p>
-        </p:txBody>
-      </p:sp>
-      <p:sp>
-        <p:nvSpPr>
-          <p:cNvPr id="5" name="Espace réservé du numéro de diapositive 4"/>
-          <p:cNvSpPr>
-            <a:spLocks noGrp="1"/>
-          </p:cNvSpPr>
-          <p:nvPr>
-            <p:ph type="sldNum" sz="quarter" idx="12"/>
-          </p:nvPr>
-        </p:nvSpPr>
-        <p:spPr/>
-        <p:txBody>
-          <a:bodyPr/>
-          <a:lstStyle/>
-          <a:p>
             <a:fld id="{604F9983-238B-5A48-87F7-46742A2BA19E}" type="slidenum">
-              <a:rPr lang="fr-FR" smtClean="0"/>
+              <a:rPr lang="fr-FR" smtClean="0">
+                <a:solidFill>
+                  <a:schemeClr val="tx1"/>
+                </a:solidFill>
+              </a:rPr>
               <a:pPr/>
               <a:t>20</a:t>
             </a:fld>
-            <a:endParaRPr lang="fr-FR"/>
+            <a:endParaRPr lang="fr-FR" dirty="0">
+              <a:solidFill>
+                <a:schemeClr val="tx1"/>
+              </a:solidFill>
+            </a:endParaRPr>
           </a:p>
         </p:txBody>
       </p:sp>
@@ -6573,7 +6590,7 @@
       </p:sp>
       <p:sp>
         <p:nvSpPr>
-          <p:cNvPr id="3" name="Espace réservé du contenu 2"/>
+          <p:cNvPr id="9" name="Espace réservé du contenu 8"/>
           <p:cNvSpPr>
             <a:spLocks noGrp="1"/>
           </p:cNvSpPr>
@@ -6666,11 +6683,19 @@
           <a:lstStyle/>
           <a:p>
             <a:fld id="{604F9983-238B-5A48-87F7-46742A2BA19E}" type="slidenum">
-              <a:rPr lang="fr-FR" smtClean="0"/>
+              <a:rPr lang="fr-FR" smtClean="0">
+                <a:solidFill>
+                  <a:schemeClr val="tx1"/>
+                </a:solidFill>
+              </a:rPr>
               <a:pPr/>
               <a:t>21</a:t>
             </a:fld>
-            <a:endParaRPr lang="fr-FR"/>
+            <a:endParaRPr lang="fr-FR" dirty="0">
+              <a:solidFill>
+                <a:schemeClr val="tx1"/>
+              </a:solidFill>
+            </a:endParaRPr>
           </a:p>
         </p:txBody>
       </p:sp>
@@ -6784,12 +6809,12 @@
       </p:sp>
       <p:sp>
         <p:nvSpPr>
-          <p:cNvPr id="4" name="Espace réservé du pied de page 3"/>
-          <p:cNvSpPr>
-            <a:spLocks noGrp="1"/>
-          </p:cNvSpPr>
-          <p:nvPr>
-            <p:ph type="ftr" sz="quarter" idx="11"/>
+          <p:cNvPr id="5" name="Espace réservé du numéro de diapositive 4"/>
+          <p:cNvSpPr>
+            <a:spLocks noGrp="1"/>
+          </p:cNvSpPr>
+          <p:nvPr>
+            <p:ph type="sldNum" sz="quarter" idx="12"/>
           </p:nvPr>
         </p:nvSpPr>
         <p:spPr/>
@@ -6797,31 +6822,20 @@
           <a:bodyPr/>
           <a:lstStyle/>
           <a:p>
-            <a:endParaRPr lang="fr-FR"/>
-          </a:p>
-        </p:txBody>
-      </p:sp>
-      <p:sp>
-        <p:nvSpPr>
-          <p:cNvPr id="5" name="Espace réservé du numéro de diapositive 4"/>
-          <p:cNvSpPr>
-            <a:spLocks noGrp="1"/>
-          </p:cNvSpPr>
-          <p:nvPr>
-            <p:ph type="sldNum" sz="quarter" idx="12"/>
-          </p:nvPr>
-        </p:nvSpPr>
-        <p:spPr/>
-        <p:txBody>
-          <a:bodyPr/>
-          <a:lstStyle/>
-          <a:p>
             <a:fld id="{604F9983-238B-5A48-87F7-46742A2BA19E}" type="slidenum">
-              <a:rPr lang="fr-FR" smtClean="0"/>
+              <a:rPr lang="fr-FR" smtClean="0">
+                <a:solidFill>
+                  <a:schemeClr val="tx1"/>
+                </a:solidFill>
+              </a:rPr>
               <a:pPr/>
               <a:t>22</a:t>
             </a:fld>
-            <a:endParaRPr lang="fr-FR"/>
+            <a:endParaRPr lang="fr-FR" dirty="0">
+              <a:solidFill>
+                <a:schemeClr val="tx1"/>
+              </a:solidFill>
+            </a:endParaRPr>
           </a:p>
         </p:txBody>
       </p:sp>
@@ -6955,12 +6969,12 @@
       </p:sp>
       <p:sp>
         <p:nvSpPr>
-          <p:cNvPr id="4" name="Espace réservé du pied de page 3"/>
-          <p:cNvSpPr>
-            <a:spLocks noGrp="1"/>
-          </p:cNvSpPr>
-          <p:nvPr>
-            <p:ph type="ftr" sz="quarter" idx="11"/>
+          <p:cNvPr id="5" name="Espace réservé du numéro de diapositive 4"/>
+          <p:cNvSpPr>
+            <a:spLocks noGrp="1"/>
+          </p:cNvSpPr>
+          <p:nvPr>
+            <p:ph type="sldNum" sz="quarter" idx="12"/>
           </p:nvPr>
         </p:nvSpPr>
         <p:spPr/>
@@ -6968,31 +6982,20 @@
           <a:bodyPr/>
           <a:lstStyle/>
           <a:p>
-            <a:endParaRPr lang="fr-FR"/>
-          </a:p>
-        </p:txBody>
-      </p:sp>
-      <p:sp>
-        <p:nvSpPr>
-          <p:cNvPr id="5" name="Espace réservé du numéro de diapositive 4"/>
-          <p:cNvSpPr>
-            <a:spLocks noGrp="1"/>
-          </p:cNvSpPr>
-          <p:nvPr>
-            <p:ph type="sldNum" sz="quarter" idx="12"/>
-          </p:nvPr>
-        </p:nvSpPr>
-        <p:spPr/>
-        <p:txBody>
-          <a:bodyPr/>
-          <a:lstStyle/>
-          <a:p>
             <a:fld id="{604F9983-238B-5A48-87F7-46742A2BA19E}" type="slidenum">
-              <a:rPr lang="fr-FR" smtClean="0"/>
+              <a:rPr lang="fr-FR" smtClean="0">
+                <a:solidFill>
+                  <a:schemeClr val="tx1"/>
+                </a:solidFill>
+              </a:rPr>
               <a:pPr/>
               <a:t>23</a:t>
             </a:fld>
-            <a:endParaRPr lang="fr-FR"/>
+            <a:endParaRPr lang="fr-FR" dirty="0">
+              <a:solidFill>
+                <a:schemeClr val="tx1"/>
+              </a:solidFill>
+            </a:endParaRPr>
           </a:p>
         </p:txBody>
       </p:sp>
@@ -7077,11 +7080,19 @@
           <a:lstStyle/>
           <a:p>
             <a:fld id="{604F9983-238B-5A48-87F7-46742A2BA19E}" type="slidenum">
-              <a:rPr lang="fr-FR" smtClean="0"/>
+              <a:rPr lang="fr-FR" smtClean="0">
+                <a:solidFill>
+                  <a:schemeClr val="tx1"/>
+                </a:solidFill>
+              </a:rPr>
               <a:pPr/>
               <a:t>24</a:t>
             </a:fld>
-            <a:endParaRPr lang="fr-FR"/>
+            <a:endParaRPr lang="fr-FR" dirty="0">
+              <a:solidFill>
+                <a:schemeClr val="tx1"/>
+              </a:solidFill>
+            </a:endParaRPr>
           </a:p>
         </p:txBody>
       </p:sp>
@@ -7221,12 +7232,12 @@
       </p:sp>
       <p:sp>
         <p:nvSpPr>
-          <p:cNvPr id="8" name="Espace réservé du pied de page 7"/>
-          <p:cNvSpPr>
-            <a:spLocks noGrp="1"/>
-          </p:cNvSpPr>
-          <p:nvPr>
-            <p:ph type="ftr" sz="quarter" idx="11"/>
+          <p:cNvPr id="9" name="Espace réservé du numéro de diapositive 8"/>
+          <p:cNvSpPr>
+            <a:spLocks noGrp="1"/>
+          </p:cNvSpPr>
+          <p:nvPr>
+            <p:ph type="sldNum" sz="quarter" idx="12"/>
           </p:nvPr>
         </p:nvSpPr>
         <p:spPr/>
@@ -7234,64 +7245,23 @@
           <a:bodyPr/>
           <a:lstStyle/>
           <a:p>
-            <a:endParaRPr lang="fr-FR"/>
-          </a:p>
-        </p:txBody>
-      </p:sp>
-      <p:sp>
-        <p:nvSpPr>
-          <p:cNvPr id="9" name="Espace réservé du numéro de diapositive 8"/>
-          <p:cNvSpPr>
-            <a:spLocks noGrp="1"/>
-          </p:cNvSpPr>
-          <p:nvPr>
-            <p:ph type="sldNum" sz="quarter" idx="12"/>
-          </p:nvPr>
-        </p:nvSpPr>
-        <p:spPr/>
-        <p:txBody>
-          <a:bodyPr/>
-          <a:lstStyle/>
-          <a:p>
             <a:fld id="{604F9983-238B-5A48-87F7-46742A2BA19E}" type="slidenum">
-              <a:rPr lang="fr-FR" smtClean="0"/>
+              <a:rPr lang="fr-FR" smtClean="0">
+                <a:solidFill>
+                  <a:schemeClr val="tx1"/>
+                </a:solidFill>
+              </a:rPr>
               <a:pPr/>
               <a:t>3</a:t>
             </a:fld>
-            <a:endParaRPr lang="fr-FR"/>
-          </a:p>
-        </p:txBody>
-      </p:sp>
-      <p:pic>
-        <p:nvPicPr>
-          <p:cNvPr id="15" name="Image 14"/>
-          <p:cNvPicPr>
-            <a:picLocks noChangeAspect="1"/>
-          </p:cNvPicPr>
-          <p:nvPr/>
-        </p:nvPicPr>
-        <p:blipFill>
-          <a:blip r:embed="rId2">
-            <a:extLst>
-              <a:ext uri="{28A0092B-C50C-407E-A947-70E740481C1C}">
-                <a14:useLocalDpi xmlns:a14="http://schemas.microsoft.com/office/drawing/2010/main" val="0"/>
-              </a:ext>
-            </a:extLst>
-          </a:blip>
-          <a:stretch>
-            <a:fillRect/>
-          </a:stretch>
-        </p:blipFill>
-        <p:spPr>
-          <a:xfrm>
-            <a:off x="6286500" y="-33851"/>
-            <a:ext cx="2857500" cy="781050"/>
-          </a:xfrm>
-          <a:prstGeom prst="rect">
-            <a:avLst/>
-          </a:prstGeom>
-        </p:spPr>
-      </p:pic>
+            <a:endParaRPr lang="fr-FR" dirty="0">
+              <a:solidFill>
+                <a:schemeClr val="tx1"/>
+              </a:solidFill>
+            </a:endParaRPr>
+          </a:p>
+        </p:txBody>
+      </p:sp>
     </p:spTree>
     <p:extLst>
       <p:ext uri="{BB962C8B-B14F-4D97-AF65-F5344CB8AC3E}">
@@ -7394,44 +7364,22 @@
           <a:lstStyle/>
           <a:p>
             <a:fld id="{604F9983-238B-5A48-87F7-46742A2BA19E}" type="slidenum">
-              <a:rPr lang="fr-FR" smtClean="0"/>
+              <a:rPr lang="fr-FR" smtClean="0">
+                <a:solidFill>
+                  <a:schemeClr val="tx1"/>
+                </a:solidFill>
+              </a:rPr>
               <a:pPr/>
               <a:t>4</a:t>
             </a:fld>
-            <a:endParaRPr lang="fr-FR"/>
-          </a:p>
-        </p:txBody>
-      </p:sp>
-      <p:pic>
-        <p:nvPicPr>
-          <p:cNvPr id="5" name="Image 4"/>
-          <p:cNvPicPr>
-            <a:picLocks noChangeAspect="1"/>
-          </p:cNvPicPr>
-          <p:nvPr/>
-        </p:nvPicPr>
-        <p:blipFill>
-          <a:blip r:embed="rId2">
-            <a:extLst>
-              <a:ext uri="{28A0092B-C50C-407E-A947-70E740481C1C}">
-                <a14:useLocalDpi xmlns:a14="http://schemas.microsoft.com/office/drawing/2010/main" val="0"/>
-              </a:ext>
-            </a:extLst>
-          </a:blip>
-          <a:stretch>
-            <a:fillRect/>
-          </a:stretch>
-        </p:blipFill>
-        <p:spPr>
-          <a:xfrm>
-            <a:off x="6353109" y="15034"/>
-            <a:ext cx="2857500" cy="781050"/>
-          </a:xfrm>
-          <a:prstGeom prst="rect">
-            <a:avLst/>
-          </a:prstGeom>
-        </p:spPr>
-      </p:pic>
+            <a:endParaRPr lang="fr-FR" dirty="0">
+              <a:solidFill>
+                <a:schemeClr val="tx1"/>
+              </a:solidFill>
+            </a:endParaRPr>
+          </a:p>
+        </p:txBody>
+      </p:sp>
     </p:spTree>
     <p:extLst>
       <p:ext uri="{BB962C8B-B14F-4D97-AF65-F5344CB8AC3E}">
@@ -7498,11 +7446,38 @@
             <p:ph idx="1"/>
           </p:nvPr>
         </p:nvSpPr>
-        <p:spPr/>
+        <p:spPr>
+          <a:xfrm>
+            <a:off x="562518" y="1119615"/>
+            <a:ext cx="3984258" cy="3394472"/>
+          </a:xfrm>
+        </p:spPr>
         <p:txBody>
           <a:bodyPr/>
           <a:lstStyle/>
           <a:p>
+            <a:r>
+              <a:rPr lang="fr-FR" dirty="0" smtClean="0"/>
+              <a:t>Proposé par Edgar </a:t>
+            </a:r>
+            <a:r>
+              <a:rPr lang="fr-FR" dirty="0"/>
+              <a:t>F</a:t>
+            </a:r>
+            <a:r>
+              <a:rPr lang="fr-FR" dirty="0" smtClean="0"/>
+              <a:t>rank Codd en juin 1970</a:t>
+            </a:r>
+          </a:p>
+          <a:p>
+            <a:r>
+              <a:rPr lang="fr-FR" dirty="0" smtClean="0"/>
+              <a:t>A pour but d’a</a:t>
+            </a:r>
+            <a:r>
+              <a:rPr lang="fr-FR" dirty="0" smtClean="0"/>
+              <a:t>pprendre le fonctionnement des bases de données relationnelles</a:t>
+            </a:r>
             <a:endParaRPr lang="fr-FR" dirty="0"/>
           </a:p>
         </p:txBody>
@@ -7539,12 +7514,12 @@
       </p:sp>
       <p:sp>
         <p:nvSpPr>
-          <p:cNvPr id="5" name="Espace réservé du pied de page 4"/>
-          <p:cNvSpPr>
-            <a:spLocks noGrp="1"/>
-          </p:cNvSpPr>
-          <p:nvPr>
-            <p:ph type="ftr" sz="quarter" idx="11"/>
+          <p:cNvPr id="6" name="Espace réservé du numéro de diapositive 5"/>
+          <p:cNvSpPr>
+            <a:spLocks noGrp="1"/>
+          </p:cNvSpPr>
+          <p:nvPr>
+            <p:ph type="sldNum" sz="quarter" idx="12"/>
           </p:nvPr>
         </p:nvSpPr>
         <p:spPr/>
@@ -7552,31 +7527,218 @@
           <a:bodyPr/>
           <a:lstStyle/>
           <a:p>
-            <a:endParaRPr lang="fr-FR"/>
-          </a:p>
-        </p:txBody>
-      </p:sp>
-      <p:sp>
-        <p:nvSpPr>
-          <p:cNvPr id="6" name="Espace réservé du numéro de diapositive 5"/>
-          <p:cNvSpPr>
-            <a:spLocks noGrp="1"/>
-          </p:cNvSpPr>
-          <p:nvPr>
-            <p:ph type="sldNum" sz="quarter" idx="12"/>
-          </p:nvPr>
-        </p:nvSpPr>
-        <p:spPr/>
-        <p:txBody>
-          <a:bodyPr/>
-          <a:lstStyle/>
-          <a:p>
             <a:fld id="{604F9983-238B-5A48-87F7-46742A2BA19E}" type="slidenum">
-              <a:rPr lang="fr-FR" smtClean="0"/>
+              <a:rPr lang="fr-FR" smtClean="0">
+                <a:solidFill>
+                  <a:schemeClr val="tx1"/>
+                </a:solidFill>
+              </a:rPr>
               <a:pPr/>
               <a:t>5</a:t>
             </a:fld>
-            <a:endParaRPr lang="fr-FR"/>
+            <a:endParaRPr lang="fr-FR" dirty="0">
+              <a:solidFill>
+                <a:schemeClr val="tx1"/>
+              </a:solidFill>
+            </a:endParaRPr>
+          </a:p>
+        </p:txBody>
+      </p:sp>
+      <p:pic>
+        <p:nvPicPr>
+          <p:cNvPr id="7" name="Image 6"/>
+          <p:cNvPicPr>
+            <a:picLocks noChangeAspect="1"/>
+          </p:cNvPicPr>
+          <p:nvPr/>
+        </p:nvPicPr>
+        <p:blipFill>
+          <a:blip r:embed="rId2">
+            <a:extLst>
+              <a:ext uri="{28A0092B-C50C-407E-A947-70E740481C1C}">
+                <a14:useLocalDpi xmlns:a14="http://schemas.microsoft.com/office/drawing/2010/main" val="0"/>
+              </a:ext>
+            </a:extLst>
+          </a:blip>
+          <a:stretch>
+            <a:fillRect/>
+          </a:stretch>
+        </p:blipFill>
+        <p:spPr>
+          <a:xfrm>
+            <a:off x="5289831" y="1846149"/>
+            <a:ext cx="3059805" cy="2435766"/>
+          </a:xfrm>
+          <a:prstGeom prst="rect">
+            <a:avLst/>
+          </a:prstGeom>
+        </p:spPr>
+      </p:pic>
+      <p:sp>
+        <p:nvSpPr>
+          <p:cNvPr id="8" name="Espace réservé du contenu 2"/>
+          <p:cNvSpPr txBox="1">
+            <a:spLocks/>
+          </p:cNvSpPr>
+          <p:nvPr/>
+        </p:nvSpPr>
+        <p:spPr>
+          <a:xfrm>
+            <a:off x="4827605" y="1119615"/>
+            <a:ext cx="3984258" cy="3394472"/>
+          </a:xfrm>
+          <a:prstGeom prst="rect">
+            <a:avLst/>
+          </a:prstGeom>
+        </p:spPr>
+        <p:txBody>
+          <a:bodyPr/>
+          <a:lstStyle>
+            <a:lvl1pPr marL="342900" indent="-342900" algn="l" defTabSz="457200" rtl="0" eaLnBrk="1" latinLnBrk="0" hangingPunct="1">
+              <a:spcBef>
+                <a:spcPct val="20000"/>
+              </a:spcBef>
+              <a:buSzPct val="120000"/>
+              <a:buFontTx/>
+              <a:buBlip>
+                <a:blip r:embed="rId3"/>
+              </a:buBlip>
+              <a:defRPr sz="2600" kern="1200">
+                <a:solidFill>
+                  <a:srgbClr val="123A61"/>
+                </a:solidFill>
+                <a:latin typeface="Segoe UI Black" panose="020B0A02040204020203" pitchFamily="34" charset="0"/>
+                <a:ea typeface="Segoe UI Black" panose="020B0A02040204020203" pitchFamily="34" charset="0"/>
+                <a:cs typeface="Segoe UI Black" panose="020B0A02040204020203" pitchFamily="34" charset="0"/>
+              </a:defRPr>
+            </a:lvl1pPr>
+            <a:lvl2pPr marL="742950" indent="-285750" algn="l" defTabSz="457200" rtl="0" eaLnBrk="1" latinLnBrk="0" hangingPunct="1">
+              <a:spcBef>
+                <a:spcPct val="20000"/>
+              </a:spcBef>
+              <a:buFont typeface="Arial"/>
+              <a:buChar char="–"/>
+              <a:defRPr sz="2000" kern="1200">
+                <a:solidFill>
+                  <a:srgbClr val="000000"/>
+                </a:solidFill>
+                <a:latin typeface="Segoe UI Semilight" panose="020B0402040204020203" pitchFamily="34" charset="0"/>
+                <a:ea typeface="+mn-ea"/>
+                <a:cs typeface="Segoe UI Semilight" panose="020B0402040204020203" pitchFamily="34" charset="0"/>
+              </a:defRPr>
+            </a:lvl2pPr>
+            <a:lvl3pPr marL="1143000" indent="-228600" algn="l" defTabSz="457200" rtl="0" eaLnBrk="1" latinLnBrk="0" hangingPunct="1">
+              <a:spcBef>
+                <a:spcPct val="20000"/>
+              </a:spcBef>
+              <a:buFont typeface="Arial"/>
+              <a:buChar char="•"/>
+              <a:defRPr sz="1800" kern="1200">
+                <a:solidFill>
+                  <a:srgbClr val="000000"/>
+                </a:solidFill>
+                <a:latin typeface="Segoe UI Semilight" panose="020B0402040204020203" pitchFamily="34" charset="0"/>
+                <a:ea typeface="+mn-ea"/>
+                <a:cs typeface="Segoe UI Semilight" panose="020B0402040204020203" pitchFamily="34" charset="0"/>
+              </a:defRPr>
+            </a:lvl3pPr>
+            <a:lvl4pPr marL="1600200" indent="-228600" algn="l" defTabSz="457200" rtl="0" eaLnBrk="1" latinLnBrk="0" hangingPunct="1">
+              <a:spcBef>
+                <a:spcPct val="20000"/>
+              </a:spcBef>
+              <a:buFont typeface="Arial"/>
+              <a:buChar char="–"/>
+              <a:defRPr sz="1600" kern="1200">
+                <a:solidFill>
+                  <a:schemeClr val="tx1"/>
+                </a:solidFill>
+                <a:latin typeface="Segoe UI Semilight" panose="020B0402040204020203" pitchFamily="34" charset="0"/>
+                <a:ea typeface="+mn-ea"/>
+                <a:cs typeface="Segoe UI Semilight" panose="020B0402040204020203" pitchFamily="34" charset="0"/>
+              </a:defRPr>
+            </a:lvl4pPr>
+            <a:lvl5pPr marL="2057400" indent="-228600" algn="l" defTabSz="457200" rtl="0" eaLnBrk="1" latinLnBrk="0" hangingPunct="1">
+              <a:spcBef>
+                <a:spcPct val="20000"/>
+              </a:spcBef>
+              <a:buFont typeface="Arial"/>
+              <a:buChar char="»"/>
+              <a:defRPr sz="1600" kern="1200">
+                <a:solidFill>
+                  <a:schemeClr val="tx1"/>
+                </a:solidFill>
+                <a:latin typeface="Segoe UI Semilight" panose="020B0402040204020203" pitchFamily="34" charset="0"/>
+                <a:ea typeface="+mn-ea"/>
+                <a:cs typeface="Segoe UI Semilight" panose="020B0402040204020203" pitchFamily="34" charset="0"/>
+              </a:defRPr>
+            </a:lvl5pPr>
+            <a:lvl6pPr marL="2514600" indent="-228600" algn="l" defTabSz="457200" rtl="0" eaLnBrk="1" latinLnBrk="0" hangingPunct="1">
+              <a:spcBef>
+                <a:spcPct val="20000"/>
+              </a:spcBef>
+              <a:buFont typeface="Arial"/>
+              <a:buChar char="•"/>
+              <a:defRPr sz="2000" kern="1200">
+                <a:solidFill>
+                  <a:schemeClr val="tx1"/>
+                </a:solidFill>
+                <a:latin typeface="+mn-lt"/>
+                <a:ea typeface="+mn-ea"/>
+                <a:cs typeface="+mn-cs"/>
+              </a:defRPr>
+            </a:lvl6pPr>
+            <a:lvl7pPr marL="2971800" indent="-228600" algn="l" defTabSz="457200" rtl="0" eaLnBrk="1" latinLnBrk="0" hangingPunct="1">
+              <a:spcBef>
+                <a:spcPct val="20000"/>
+              </a:spcBef>
+              <a:buFont typeface="Arial"/>
+              <a:buChar char="•"/>
+              <a:defRPr sz="2000" kern="1200">
+                <a:solidFill>
+                  <a:schemeClr val="tx1"/>
+                </a:solidFill>
+                <a:latin typeface="+mn-lt"/>
+                <a:ea typeface="+mn-ea"/>
+                <a:cs typeface="+mn-cs"/>
+              </a:defRPr>
+            </a:lvl7pPr>
+            <a:lvl8pPr marL="3429000" indent="-228600" algn="l" defTabSz="457200" rtl="0" eaLnBrk="1" latinLnBrk="0" hangingPunct="1">
+              <a:spcBef>
+                <a:spcPct val="20000"/>
+              </a:spcBef>
+              <a:buFont typeface="Arial"/>
+              <a:buChar char="•"/>
+              <a:defRPr sz="2000" kern="1200">
+                <a:solidFill>
+                  <a:schemeClr val="tx1"/>
+                </a:solidFill>
+                <a:latin typeface="+mn-lt"/>
+                <a:ea typeface="+mn-ea"/>
+                <a:cs typeface="+mn-cs"/>
+              </a:defRPr>
+            </a:lvl8pPr>
+            <a:lvl9pPr marL="3886200" indent="-228600" algn="l" defTabSz="457200" rtl="0" eaLnBrk="1" latinLnBrk="0" hangingPunct="1">
+              <a:spcBef>
+                <a:spcPct val="20000"/>
+              </a:spcBef>
+              <a:buFont typeface="Arial"/>
+              <a:buChar char="•"/>
+              <a:defRPr sz="2000" kern="1200">
+                <a:solidFill>
+                  <a:schemeClr val="tx1"/>
+                </a:solidFill>
+                <a:latin typeface="+mn-lt"/>
+                <a:ea typeface="+mn-ea"/>
+                <a:cs typeface="+mn-cs"/>
+              </a:defRPr>
+            </a:lvl9pPr>
+          </a:lstStyle>
+          <a:p>
+            <a:r>
+              <a:rPr lang="fr-FR" dirty="0" smtClean="0"/>
+              <a:t>Divers opérateurs : </a:t>
+            </a:r>
+            <a:endParaRPr lang="fr-FR" dirty="0"/>
           </a:p>
         </p:txBody>
       </p:sp>
@@ -7656,11 +7818,19 @@
           <a:lstStyle/>
           <a:p>
             <a:fld id="{604F9983-238B-5A48-87F7-46742A2BA19E}" type="slidenum">
-              <a:rPr lang="fr-FR" smtClean="0"/>
+              <a:rPr lang="fr-FR" smtClean="0">
+                <a:solidFill>
+                  <a:schemeClr val="tx1"/>
+                </a:solidFill>
+              </a:rPr>
               <a:pPr/>
               <a:t>6</a:t>
             </a:fld>
-            <a:endParaRPr lang="fr-FR"/>
+            <a:endParaRPr lang="fr-FR" dirty="0">
+              <a:solidFill>
+                <a:schemeClr val="tx1"/>
+              </a:solidFill>
+            </a:endParaRPr>
           </a:p>
         </p:txBody>
       </p:sp>
@@ -7863,11 +8033,19 @@
           <a:lstStyle/>
           <a:p>
             <a:fld id="{604F9983-238B-5A48-87F7-46742A2BA19E}" type="slidenum">
-              <a:rPr lang="fr-FR" smtClean="0"/>
+              <a:rPr lang="fr-FR" smtClean="0">
+                <a:solidFill>
+                  <a:schemeClr val="tx1"/>
+                </a:solidFill>
+              </a:rPr>
               <a:pPr/>
               <a:t>7</a:t>
             </a:fld>
-            <a:endParaRPr lang="fr-FR"/>
+            <a:endParaRPr lang="fr-FR" dirty="0">
+              <a:solidFill>
+                <a:schemeClr val="tx1"/>
+              </a:solidFill>
+            </a:endParaRPr>
           </a:p>
         </p:txBody>
       </p:sp>
@@ -8016,11 +8194,19 @@
           <a:lstStyle/>
           <a:p>
             <a:fld id="{604F9983-238B-5A48-87F7-46742A2BA19E}" type="slidenum">
-              <a:rPr lang="fr-FR" smtClean="0"/>
+              <a:rPr lang="fr-FR" smtClean="0">
+                <a:solidFill>
+                  <a:schemeClr val="tx1"/>
+                </a:solidFill>
+              </a:rPr>
               <a:pPr/>
               <a:t>8</a:t>
             </a:fld>
-            <a:endParaRPr lang="fr-FR"/>
+            <a:endParaRPr lang="fr-FR" dirty="0">
+              <a:solidFill>
+                <a:schemeClr val="tx1"/>
+              </a:solidFill>
+            </a:endParaRPr>
           </a:p>
         </p:txBody>
       </p:sp>
@@ -8194,11 +8380,19 @@
           <a:lstStyle/>
           <a:p>
             <a:fld id="{604F9983-238B-5A48-87F7-46742A2BA19E}" type="slidenum">
-              <a:rPr lang="fr-FR" smtClean="0"/>
+              <a:rPr lang="fr-FR" smtClean="0">
+                <a:solidFill>
+                  <a:schemeClr val="tx1"/>
+                </a:solidFill>
+              </a:rPr>
               <a:pPr/>
               <a:t>9</a:t>
             </a:fld>
-            <a:endParaRPr lang="fr-FR"/>
+            <a:endParaRPr lang="fr-FR" dirty="0">
+              <a:solidFill>
+                <a:schemeClr val="tx1"/>
+              </a:solidFill>
+            </a:endParaRPr>
           </a:p>
         </p:txBody>
       </p:sp>
